--- a/Archivos/Presentacion.pptx
+++ b/Archivos/Presentacion.pptx
@@ -5,7 +5,7 @@
     <p:sldMasterId id="2147483659" r:id="rId1"/>
   </p:sldMasterIdLst>
   <p:notesMasterIdLst>
-    <p:notesMasterId r:id="rId21"/>
+    <p:notesMasterId r:id="rId25"/>
   </p:notesMasterIdLst>
   <p:sldIdLst>
     <p:sldId id="256" r:id="rId2"/>
@@ -27,21 +27,25 @@
     <p:sldId id="301" r:id="rId18"/>
     <p:sldId id="302" r:id="rId19"/>
     <p:sldId id="286" r:id="rId20"/>
+    <p:sldId id="307" r:id="rId21"/>
+    <p:sldId id="310" r:id="rId22"/>
+    <p:sldId id="309" r:id="rId23"/>
+    <p:sldId id="311" r:id="rId24"/>
   </p:sldIdLst>
   <p:sldSz cx="9144000" cy="5143500" type="screen16x9"/>
   <p:notesSz cx="6858000" cy="9144000"/>
   <p:embeddedFontLst>
     <p:embeddedFont>
       <p:font typeface="Oswald" panose="020B0604020202020204" charset="0"/>
-      <p:regular r:id="rId22"/>
-      <p:bold r:id="rId23"/>
+      <p:regular r:id="rId26"/>
+      <p:bold r:id="rId27"/>
     </p:embeddedFont>
     <p:embeddedFont>
       <p:font typeface="Source Sans Pro" panose="020B0503030403020204" pitchFamily="34" charset="0"/>
-      <p:regular r:id="rId24"/>
-      <p:bold r:id="rId25"/>
-      <p:italic r:id="rId26"/>
-      <p:boldItalic r:id="rId27"/>
+      <p:regular r:id="rId28"/>
+      <p:bold r:id="rId29"/>
+      <p:italic r:id="rId30"/>
+      <p:boldItalic r:id="rId31"/>
     </p:embeddedFont>
   </p:embeddedFontLst>
   <p:defaultTextStyle>
@@ -2829,6 +2833,442 @@
         </p:txBody>
       </p:sp>
     </p:spTree>
+  </p:cSld>
+  <p:clrMapOvr>
+    <a:masterClrMapping/>
+  </p:clrMapOvr>
+</p:notes>
+</file>
+
+<file path=ppt/notesSlides/notesSlide20.xml><?xml version="1.0" encoding="utf-8"?>
+<p:notes xmlns:a="http://schemas.openxmlformats.org/drawingml/2006/main" xmlns:r="http://schemas.openxmlformats.org/officeDocument/2006/relationships" xmlns:p="http://schemas.openxmlformats.org/presentationml/2006/main" showMasterSp="0" showMasterPhAnim="0">
+  <p:cSld>
+    <p:spTree>
+      <p:nvGrpSpPr>
+        <p:cNvPr id="1" name="Shape 495"/>
+        <p:cNvGrpSpPr/>
+        <p:nvPr/>
+      </p:nvGrpSpPr>
+      <p:grpSpPr>
+        <a:xfrm>
+          <a:off x="0" y="0"/>
+          <a:ext cx="0" cy="0"/>
+          <a:chOff x="0" y="0"/>
+          <a:chExt cx="0" cy="0"/>
+        </a:xfrm>
+      </p:grpSpPr>
+      <p:sp>
+        <p:nvSpPr>
+          <p:cNvPr id="496" name="Google Shape;496;p:notes"/>
+          <p:cNvSpPr>
+            <a:spLocks noGrp="1" noRot="1" noChangeAspect="1"/>
+          </p:cNvSpPr>
+          <p:nvPr>
+            <p:ph type="sldImg" idx="2"/>
+          </p:nvPr>
+        </p:nvSpPr>
+        <p:spPr>
+          <a:xfrm>
+            <a:off x="381000" y="685800"/>
+            <a:ext cx="6096000" cy="3429000"/>
+          </a:xfrm>
+          <a:custGeom>
+            <a:avLst/>
+            <a:gdLst/>
+            <a:ahLst/>
+            <a:cxnLst/>
+            <a:rect l="l" t="t" r="r" b="b"/>
+            <a:pathLst>
+              <a:path w="120000" h="120000" extrusionOk="0">
+                <a:moveTo>
+                  <a:pt x="0" y="0"/>
+                </a:moveTo>
+                <a:lnTo>
+                  <a:pt x="120000" y="0"/>
+                </a:lnTo>
+                <a:lnTo>
+                  <a:pt x="120000" y="120000"/>
+                </a:lnTo>
+                <a:lnTo>
+                  <a:pt x="0" y="120000"/>
+                </a:lnTo>
+                <a:close/>
+              </a:path>
+            </a:pathLst>
+          </a:custGeom>
+        </p:spPr>
+      </p:sp>
+      <p:sp>
+        <p:nvSpPr>
+          <p:cNvPr id="497" name="Google Shape;497;p:notes"/>
+          <p:cNvSpPr txBox="1">
+            <a:spLocks noGrp="1"/>
+          </p:cNvSpPr>
+          <p:nvPr>
+            <p:ph type="body" idx="1"/>
+          </p:nvPr>
+        </p:nvSpPr>
+        <p:spPr>
+          <a:xfrm>
+            <a:off x="685800" y="4343400"/>
+            <a:ext cx="5486400" cy="4114800"/>
+          </a:xfrm>
+          <a:prstGeom prst="rect">
+            <a:avLst/>
+          </a:prstGeom>
+        </p:spPr>
+        <p:txBody>
+          <a:bodyPr spcFirstLastPara="1" wrap="square" lIns="91425" tIns="91425" rIns="91425" bIns="91425" anchor="t" anchorCtr="0">
+            <a:noAutofit/>
+          </a:bodyPr>
+          <a:lstStyle/>
+          <a:p>
+            <a:pPr marL="0" lvl="0" indent="0" algn="l" rtl="0">
+              <a:spcBef>
+                <a:spcPts val="0"/>
+              </a:spcBef>
+              <a:spcAft>
+                <a:spcPts val="0"/>
+              </a:spcAft>
+              <a:buNone/>
+            </a:pPr>
+            <a:endParaRPr/>
+          </a:p>
+        </p:txBody>
+      </p:sp>
+    </p:spTree>
+    <p:extLst>
+      <p:ext uri="{BB962C8B-B14F-4D97-AF65-F5344CB8AC3E}">
+        <p14:creationId xmlns:p14="http://schemas.microsoft.com/office/powerpoint/2010/main" val="1554826156"/>
+      </p:ext>
+    </p:extLst>
+  </p:cSld>
+  <p:clrMapOvr>
+    <a:masterClrMapping/>
+  </p:clrMapOvr>
+</p:notes>
+</file>
+
+<file path=ppt/notesSlides/notesSlide21.xml><?xml version="1.0" encoding="utf-8"?>
+<p:notes xmlns:a="http://schemas.openxmlformats.org/drawingml/2006/main" xmlns:r="http://schemas.openxmlformats.org/officeDocument/2006/relationships" xmlns:p="http://schemas.openxmlformats.org/presentationml/2006/main" showMasterSp="0" showMasterPhAnim="0">
+  <p:cSld>
+    <p:spTree>
+      <p:nvGrpSpPr>
+        <p:cNvPr id="1" name="Shape 495"/>
+        <p:cNvGrpSpPr/>
+        <p:nvPr/>
+      </p:nvGrpSpPr>
+      <p:grpSpPr>
+        <a:xfrm>
+          <a:off x="0" y="0"/>
+          <a:ext cx="0" cy="0"/>
+          <a:chOff x="0" y="0"/>
+          <a:chExt cx="0" cy="0"/>
+        </a:xfrm>
+      </p:grpSpPr>
+      <p:sp>
+        <p:nvSpPr>
+          <p:cNvPr id="496" name="Google Shape;496;p:notes"/>
+          <p:cNvSpPr>
+            <a:spLocks noGrp="1" noRot="1" noChangeAspect="1"/>
+          </p:cNvSpPr>
+          <p:nvPr>
+            <p:ph type="sldImg" idx="2"/>
+          </p:nvPr>
+        </p:nvSpPr>
+        <p:spPr>
+          <a:xfrm>
+            <a:off x="381000" y="685800"/>
+            <a:ext cx="6096000" cy="3429000"/>
+          </a:xfrm>
+          <a:custGeom>
+            <a:avLst/>
+            <a:gdLst/>
+            <a:ahLst/>
+            <a:cxnLst/>
+            <a:rect l="l" t="t" r="r" b="b"/>
+            <a:pathLst>
+              <a:path w="120000" h="120000" extrusionOk="0">
+                <a:moveTo>
+                  <a:pt x="0" y="0"/>
+                </a:moveTo>
+                <a:lnTo>
+                  <a:pt x="120000" y="0"/>
+                </a:lnTo>
+                <a:lnTo>
+                  <a:pt x="120000" y="120000"/>
+                </a:lnTo>
+                <a:lnTo>
+                  <a:pt x="0" y="120000"/>
+                </a:lnTo>
+                <a:close/>
+              </a:path>
+            </a:pathLst>
+          </a:custGeom>
+        </p:spPr>
+      </p:sp>
+      <p:sp>
+        <p:nvSpPr>
+          <p:cNvPr id="497" name="Google Shape;497;p:notes"/>
+          <p:cNvSpPr txBox="1">
+            <a:spLocks noGrp="1"/>
+          </p:cNvSpPr>
+          <p:nvPr>
+            <p:ph type="body" idx="1"/>
+          </p:nvPr>
+        </p:nvSpPr>
+        <p:spPr>
+          <a:xfrm>
+            <a:off x="685800" y="4343400"/>
+            <a:ext cx="5486400" cy="4114800"/>
+          </a:xfrm>
+          <a:prstGeom prst="rect">
+            <a:avLst/>
+          </a:prstGeom>
+        </p:spPr>
+        <p:txBody>
+          <a:bodyPr spcFirstLastPara="1" wrap="square" lIns="91425" tIns="91425" rIns="91425" bIns="91425" anchor="t" anchorCtr="0">
+            <a:noAutofit/>
+          </a:bodyPr>
+          <a:lstStyle/>
+          <a:p>
+            <a:pPr marL="0" lvl="0" indent="0" algn="l" rtl="0">
+              <a:spcBef>
+                <a:spcPts val="0"/>
+              </a:spcBef>
+              <a:spcAft>
+                <a:spcPts val="0"/>
+              </a:spcAft>
+              <a:buNone/>
+            </a:pPr>
+            <a:endParaRPr/>
+          </a:p>
+        </p:txBody>
+      </p:sp>
+    </p:spTree>
+    <p:extLst>
+      <p:ext uri="{BB962C8B-B14F-4D97-AF65-F5344CB8AC3E}">
+        <p14:creationId xmlns:p14="http://schemas.microsoft.com/office/powerpoint/2010/main" val="3322844671"/>
+      </p:ext>
+    </p:extLst>
+  </p:cSld>
+  <p:clrMapOvr>
+    <a:masterClrMapping/>
+  </p:clrMapOvr>
+</p:notes>
+</file>
+
+<file path=ppt/notesSlides/notesSlide22.xml><?xml version="1.0" encoding="utf-8"?>
+<p:notes xmlns:a="http://schemas.openxmlformats.org/drawingml/2006/main" xmlns:r="http://schemas.openxmlformats.org/officeDocument/2006/relationships" xmlns:p="http://schemas.openxmlformats.org/presentationml/2006/main" showMasterSp="0" showMasterPhAnim="0">
+  <p:cSld>
+    <p:spTree>
+      <p:nvGrpSpPr>
+        <p:cNvPr id="1" name="Shape 495"/>
+        <p:cNvGrpSpPr/>
+        <p:nvPr/>
+      </p:nvGrpSpPr>
+      <p:grpSpPr>
+        <a:xfrm>
+          <a:off x="0" y="0"/>
+          <a:ext cx="0" cy="0"/>
+          <a:chOff x="0" y="0"/>
+          <a:chExt cx="0" cy="0"/>
+        </a:xfrm>
+      </p:grpSpPr>
+      <p:sp>
+        <p:nvSpPr>
+          <p:cNvPr id="496" name="Google Shape;496;p:notes"/>
+          <p:cNvSpPr>
+            <a:spLocks noGrp="1" noRot="1" noChangeAspect="1"/>
+          </p:cNvSpPr>
+          <p:nvPr>
+            <p:ph type="sldImg" idx="2"/>
+          </p:nvPr>
+        </p:nvSpPr>
+        <p:spPr>
+          <a:xfrm>
+            <a:off x="381000" y="685800"/>
+            <a:ext cx="6096000" cy="3429000"/>
+          </a:xfrm>
+          <a:custGeom>
+            <a:avLst/>
+            <a:gdLst/>
+            <a:ahLst/>
+            <a:cxnLst/>
+            <a:rect l="l" t="t" r="r" b="b"/>
+            <a:pathLst>
+              <a:path w="120000" h="120000" extrusionOk="0">
+                <a:moveTo>
+                  <a:pt x="0" y="0"/>
+                </a:moveTo>
+                <a:lnTo>
+                  <a:pt x="120000" y="0"/>
+                </a:lnTo>
+                <a:lnTo>
+                  <a:pt x="120000" y="120000"/>
+                </a:lnTo>
+                <a:lnTo>
+                  <a:pt x="0" y="120000"/>
+                </a:lnTo>
+                <a:close/>
+              </a:path>
+            </a:pathLst>
+          </a:custGeom>
+        </p:spPr>
+      </p:sp>
+      <p:sp>
+        <p:nvSpPr>
+          <p:cNvPr id="497" name="Google Shape;497;p:notes"/>
+          <p:cNvSpPr txBox="1">
+            <a:spLocks noGrp="1"/>
+          </p:cNvSpPr>
+          <p:nvPr>
+            <p:ph type="body" idx="1"/>
+          </p:nvPr>
+        </p:nvSpPr>
+        <p:spPr>
+          <a:xfrm>
+            <a:off x="685800" y="4343400"/>
+            <a:ext cx="5486400" cy="4114800"/>
+          </a:xfrm>
+          <a:prstGeom prst="rect">
+            <a:avLst/>
+          </a:prstGeom>
+        </p:spPr>
+        <p:txBody>
+          <a:bodyPr spcFirstLastPara="1" wrap="square" lIns="91425" tIns="91425" rIns="91425" bIns="91425" anchor="t" anchorCtr="0">
+            <a:noAutofit/>
+          </a:bodyPr>
+          <a:lstStyle/>
+          <a:p>
+            <a:pPr marL="0" lvl="0" indent="0" algn="l" rtl="0">
+              <a:spcBef>
+                <a:spcPts val="0"/>
+              </a:spcBef>
+              <a:spcAft>
+                <a:spcPts val="0"/>
+              </a:spcAft>
+              <a:buNone/>
+            </a:pPr>
+            <a:endParaRPr/>
+          </a:p>
+        </p:txBody>
+      </p:sp>
+    </p:spTree>
+    <p:extLst>
+      <p:ext uri="{BB962C8B-B14F-4D97-AF65-F5344CB8AC3E}">
+        <p14:creationId xmlns:p14="http://schemas.microsoft.com/office/powerpoint/2010/main" val="221143557"/>
+      </p:ext>
+    </p:extLst>
+  </p:cSld>
+  <p:clrMapOvr>
+    <a:masterClrMapping/>
+  </p:clrMapOvr>
+</p:notes>
+</file>
+
+<file path=ppt/notesSlides/notesSlide23.xml><?xml version="1.0" encoding="utf-8"?>
+<p:notes xmlns:a="http://schemas.openxmlformats.org/drawingml/2006/main" xmlns:r="http://schemas.openxmlformats.org/officeDocument/2006/relationships" xmlns:p="http://schemas.openxmlformats.org/presentationml/2006/main" showMasterSp="0" showMasterPhAnim="0">
+  <p:cSld>
+    <p:spTree>
+      <p:nvGrpSpPr>
+        <p:cNvPr id="1" name="Shape 495"/>
+        <p:cNvGrpSpPr/>
+        <p:nvPr/>
+      </p:nvGrpSpPr>
+      <p:grpSpPr>
+        <a:xfrm>
+          <a:off x="0" y="0"/>
+          <a:ext cx="0" cy="0"/>
+          <a:chOff x="0" y="0"/>
+          <a:chExt cx="0" cy="0"/>
+        </a:xfrm>
+      </p:grpSpPr>
+      <p:sp>
+        <p:nvSpPr>
+          <p:cNvPr id="496" name="Google Shape;496;p:notes"/>
+          <p:cNvSpPr>
+            <a:spLocks noGrp="1" noRot="1" noChangeAspect="1"/>
+          </p:cNvSpPr>
+          <p:nvPr>
+            <p:ph type="sldImg" idx="2"/>
+          </p:nvPr>
+        </p:nvSpPr>
+        <p:spPr>
+          <a:xfrm>
+            <a:off x="381000" y="685800"/>
+            <a:ext cx="6096000" cy="3429000"/>
+          </a:xfrm>
+          <a:custGeom>
+            <a:avLst/>
+            <a:gdLst/>
+            <a:ahLst/>
+            <a:cxnLst/>
+            <a:rect l="l" t="t" r="r" b="b"/>
+            <a:pathLst>
+              <a:path w="120000" h="120000" extrusionOk="0">
+                <a:moveTo>
+                  <a:pt x="0" y="0"/>
+                </a:moveTo>
+                <a:lnTo>
+                  <a:pt x="120000" y="0"/>
+                </a:lnTo>
+                <a:lnTo>
+                  <a:pt x="120000" y="120000"/>
+                </a:lnTo>
+                <a:lnTo>
+                  <a:pt x="0" y="120000"/>
+                </a:lnTo>
+                <a:close/>
+              </a:path>
+            </a:pathLst>
+          </a:custGeom>
+        </p:spPr>
+      </p:sp>
+      <p:sp>
+        <p:nvSpPr>
+          <p:cNvPr id="497" name="Google Shape;497;p:notes"/>
+          <p:cNvSpPr txBox="1">
+            <a:spLocks noGrp="1"/>
+          </p:cNvSpPr>
+          <p:nvPr>
+            <p:ph type="body" idx="1"/>
+          </p:nvPr>
+        </p:nvSpPr>
+        <p:spPr>
+          <a:xfrm>
+            <a:off x="685800" y="4343400"/>
+            <a:ext cx="5486400" cy="4114800"/>
+          </a:xfrm>
+          <a:prstGeom prst="rect">
+            <a:avLst/>
+          </a:prstGeom>
+        </p:spPr>
+        <p:txBody>
+          <a:bodyPr spcFirstLastPara="1" wrap="square" lIns="91425" tIns="91425" rIns="91425" bIns="91425" anchor="t" anchorCtr="0">
+            <a:noAutofit/>
+          </a:bodyPr>
+          <a:lstStyle/>
+          <a:p>
+            <a:pPr marL="0" lvl="0" indent="0" algn="l" rtl="0">
+              <a:spcBef>
+                <a:spcPts val="0"/>
+              </a:spcBef>
+              <a:spcAft>
+                <a:spcPts val="0"/>
+              </a:spcAft>
+              <a:buNone/>
+            </a:pPr>
+            <a:endParaRPr/>
+          </a:p>
+        </p:txBody>
+      </p:sp>
+    </p:spTree>
+    <p:extLst>
+      <p:ext uri="{BB962C8B-B14F-4D97-AF65-F5344CB8AC3E}">
+        <p14:creationId xmlns:p14="http://schemas.microsoft.com/office/powerpoint/2010/main" val="2413392566"/>
+      </p:ext>
+    </p:extLst>
   </p:cSld>
   <p:clrMapOvr>
     <a:masterClrMapping/>
@@ -18560,6 +19000,2844 @@
 </p:sld>
 </file>
 
+<file path=ppt/slides/slide20.xml><?xml version="1.0" encoding="utf-8"?>
+<p:sld xmlns:a="http://schemas.openxmlformats.org/drawingml/2006/main" xmlns:r="http://schemas.openxmlformats.org/officeDocument/2006/relationships" xmlns:p="http://schemas.openxmlformats.org/presentationml/2006/main">
+  <p:cSld>
+    <p:spTree>
+      <p:nvGrpSpPr>
+        <p:cNvPr id="1" name="Shape 498"/>
+        <p:cNvGrpSpPr/>
+        <p:nvPr/>
+      </p:nvGrpSpPr>
+      <p:grpSpPr>
+        <a:xfrm>
+          <a:off x="0" y="0"/>
+          <a:ext cx="0" cy="0"/>
+          <a:chOff x="0" y="0"/>
+          <a:chExt cx="0" cy="0"/>
+        </a:xfrm>
+      </p:grpSpPr>
+      <p:sp>
+        <p:nvSpPr>
+          <p:cNvPr id="499" name="Google Shape;499;p18"/>
+          <p:cNvSpPr txBox="1">
+            <a:spLocks noGrp="1"/>
+          </p:cNvSpPr>
+          <p:nvPr>
+            <p:ph type="title"/>
+          </p:nvPr>
+        </p:nvSpPr>
+        <p:spPr>
+          <a:xfrm>
+            <a:off x="1047750" y="634125"/>
+            <a:ext cx="6996600" cy="715800"/>
+          </a:xfrm>
+          <a:prstGeom prst="rect">
+            <a:avLst/>
+          </a:prstGeom>
+        </p:spPr>
+        <p:txBody>
+          <a:bodyPr spcFirstLastPara="1" wrap="square" lIns="91425" tIns="91425" rIns="91425" bIns="91425" anchor="b" anchorCtr="0">
+            <a:noAutofit/>
+          </a:bodyPr>
+          <a:lstStyle/>
+          <a:p>
+            <a:pPr marL="0" lvl="0" indent="0" algn="ctr" rtl="0">
+              <a:spcBef>
+                <a:spcPts val="0"/>
+              </a:spcBef>
+              <a:spcAft>
+                <a:spcPts val="0"/>
+              </a:spcAft>
+              <a:buNone/>
+            </a:pPr>
+            <a:r>
+              <a:rPr lang="en" dirty="0">
+                <a:solidFill>
+                  <a:srgbClr val="3C78D8"/>
+                </a:solidFill>
+              </a:rPr>
+              <a:t>3.1.1</a:t>
+            </a:r>
+            <a:r>
+              <a:rPr lang="en" dirty="0"/>
+              <a:t> </a:t>
+            </a:r>
+            <a:r>
+              <a:rPr lang="es-PE" dirty="0"/>
+              <a:t>OPERACIONES DEL </a:t>
+            </a:r>
+            <a:r>
+              <a:rPr lang="es-PE" dirty="0">
+                <a:solidFill>
+                  <a:srgbClr val="3C78D8"/>
+                </a:solidFill>
+              </a:rPr>
+              <a:t>CONTRATISTA</a:t>
+            </a:r>
+            <a:r>
+              <a:rPr lang="es-PE" dirty="0"/>
+              <a:t> </a:t>
+            </a:r>
+            <a:endParaRPr dirty="0">
+              <a:solidFill>
+                <a:srgbClr val="3C78D8"/>
+              </a:solidFill>
+            </a:endParaRPr>
+          </a:p>
+        </p:txBody>
+      </p:sp>
+      <p:sp>
+        <p:nvSpPr>
+          <p:cNvPr id="500" name="Google Shape;500;p18"/>
+          <p:cNvSpPr txBox="1">
+            <a:spLocks noGrp="1"/>
+          </p:cNvSpPr>
+          <p:nvPr>
+            <p:ph type="body" idx="1"/>
+          </p:nvPr>
+        </p:nvSpPr>
+        <p:spPr>
+          <a:xfrm>
+            <a:off x="478464" y="1405437"/>
+            <a:ext cx="3317359" cy="2156470"/>
+          </a:xfrm>
+          <a:prstGeom prst="rect">
+            <a:avLst/>
+          </a:prstGeom>
+        </p:spPr>
+        <p:txBody>
+          <a:bodyPr spcFirstLastPara="1" wrap="square" lIns="91425" tIns="91425" rIns="91425" bIns="91425" anchor="t" anchorCtr="0">
+            <a:noAutofit/>
+          </a:bodyPr>
+          <a:lstStyle/>
+          <a:p>
+            <a:pPr marL="101600" lvl="0" indent="0" algn="just" rtl="0">
+              <a:spcBef>
+                <a:spcPts val="600"/>
+              </a:spcBef>
+              <a:spcAft>
+                <a:spcPts val="0"/>
+              </a:spcAft>
+              <a:buSzPts val="2000"/>
+              <a:buNone/>
+            </a:pPr>
+            <a:r>
+              <a:rPr lang="es-ES" dirty="0"/>
+              <a:t>Operaciones del Contratista:</a:t>
+            </a:r>
+          </a:p>
+          <a:p>
+            <a:pPr marL="457200" lvl="0" indent="-355600" algn="just" rtl="0">
+              <a:spcBef>
+                <a:spcPts val="600"/>
+              </a:spcBef>
+              <a:spcAft>
+                <a:spcPts val="0"/>
+              </a:spcAft>
+              <a:buSzPts val="2000"/>
+              <a:buChar char="◉"/>
+            </a:pPr>
+            <a:r>
+              <a:rPr lang="es-ES" dirty="0"/>
+              <a:t>Consultar sus Servicios activos</a:t>
+            </a:r>
+          </a:p>
+          <a:p>
+            <a:pPr marL="457200" lvl="0" indent="-355600" algn="just" rtl="0">
+              <a:spcBef>
+                <a:spcPts val="600"/>
+              </a:spcBef>
+              <a:spcAft>
+                <a:spcPts val="0"/>
+              </a:spcAft>
+              <a:buSzPts val="2000"/>
+              <a:buChar char="◉"/>
+            </a:pPr>
+            <a:r>
+              <a:rPr lang="es-ES" dirty="0"/>
+              <a:t>Mantenimiento de sus Servicios</a:t>
+            </a:r>
+          </a:p>
+        </p:txBody>
+      </p:sp>
+      <p:sp>
+        <p:nvSpPr>
+          <p:cNvPr id="501" name="Google Shape;501;p18"/>
+          <p:cNvSpPr txBox="1">
+            <a:spLocks noGrp="1"/>
+          </p:cNvSpPr>
+          <p:nvPr>
+            <p:ph type="sldNum" idx="12"/>
+          </p:nvPr>
+        </p:nvSpPr>
+        <p:spPr>
+          <a:xfrm>
+            <a:off x="8556775" y="4826200"/>
+            <a:ext cx="548700" cy="317400"/>
+          </a:xfrm>
+          <a:prstGeom prst="rect">
+            <a:avLst/>
+          </a:prstGeom>
+        </p:spPr>
+        <p:txBody>
+          <a:bodyPr spcFirstLastPara="1" wrap="square" lIns="91425" tIns="91425" rIns="91425" bIns="91425" anchor="t" anchorCtr="0">
+            <a:noAutofit/>
+          </a:bodyPr>
+          <a:lstStyle/>
+          <a:p>
+            <a:pPr marL="0" lvl="0" indent="0" algn="r" rtl="0">
+              <a:spcBef>
+                <a:spcPts val="0"/>
+              </a:spcBef>
+              <a:spcAft>
+                <a:spcPts val="0"/>
+              </a:spcAft>
+              <a:buNone/>
+            </a:pPr>
+            <a:fld id="{00000000-1234-1234-1234-123412341234}" type="slidenum">
+              <a:rPr lang="en"/>
+              <a:t>20</a:t>
+            </a:fld>
+            <a:endParaRPr/>
+          </a:p>
+        </p:txBody>
+      </p:sp>
+      <p:sp>
+        <p:nvSpPr>
+          <p:cNvPr id="8" name="Google Shape;758;p36">
+            <a:extLst>
+              <a:ext uri="{FF2B5EF4-FFF2-40B4-BE49-F238E27FC236}">
+                <a16:creationId xmlns:a16="http://schemas.microsoft.com/office/drawing/2014/main" id="{7D3F52D2-6B72-4E57-A628-7303F86480CE}"/>
+              </a:ext>
+            </a:extLst>
+          </p:cNvPr>
+          <p:cNvSpPr/>
+          <p:nvPr/>
+        </p:nvSpPr>
+        <p:spPr>
+          <a:xfrm>
+            <a:off x="3965944" y="1515059"/>
+            <a:ext cx="4476307" cy="2844290"/>
+          </a:xfrm>
+          <a:custGeom>
+            <a:avLst/>
+            <a:gdLst/>
+            <a:ahLst/>
+            <a:cxnLst/>
+            <a:rect l="l" t="t" r="r" b="b"/>
+            <a:pathLst>
+              <a:path w="143434" h="111665" extrusionOk="0">
+                <a:moveTo>
+                  <a:pt x="71751" y="2308"/>
+                </a:moveTo>
+                <a:lnTo>
+                  <a:pt x="71887" y="2376"/>
+                </a:lnTo>
+                <a:lnTo>
+                  <a:pt x="72091" y="2444"/>
+                </a:lnTo>
+                <a:lnTo>
+                  <a:pt x="72159" y="2647"/>
+                </a:lnTo>
+                <a:lnTo>
+                  <a:pt x="72226" y="2783"/>
+                </a:lnTo>
+                <a:lnTo>
+                  <a:pt x="72159" y="2987"/>
+                </a:lnTo>
+                <a:lnTo>
+                  <a:pt x="72091" y="3190"/>
+                </a:lnTo>
+                <a:lnTo>
+                  <a:pt x="71887" y="3258"/>
+                </a:lnTo>
+                <a:lnTo>
+                  <a:pt x="71751" y="3326"/>
+                </a:lnTo>
+                <a:lnTo>
+                  <a:pt x="71548" y="3258"/>
+                </a:lnTo>
+                <a:lnTo>
+                  <a:pt x="71344" y="3190"/>
+                </a:lnTo>
+                <a:lnTo>
+                  <a:pt x="71276" y="2987"/>
+                </a:lnTo>
+                <a:lnTo>
+                  <a:pt x="71208" y="2783"/>
+                </a:lnTo>
+                <a:lnTo>
+                  <a:pt x="71276" y="2647"/>
+                </a:lnTo>
+                <a:lnTo>
+                  <a:pt x="71344" y="2444"/>
+                </a:lnTo>
+                <a:lnTo>
+                  <a:pt x="71548" y="2376"/>
+                </a:lnTo>
+                <a:lnTo>
+                  <a:pt x="71751" y="2308"/>
+                </a:lnTo>
+                <a:close/>
+                <a:moveTo>
+                  <a:pt x="137528" y="5906"/>
+                </a:moveTo>
+                <a:lnTo>
+                  <a:pt x="137596" y="5974"/>
+                </a:lnTo>
+                <a:lnTo>
+                  <a:pt x="137596" y="89604"/>
+                </a:lnTo>
+                <a:lnTo>
+                  <a:pt x="5906" y="89604"/>
+                </a:lnTo>
+                <a:lnTo>
+                  <a:pt x="5906" y="5974"/>
+                </a:lnTo>
+                <a:lnTo>
+                  <a:pt x="5906" y="5906"/>
+                </a:lnTo>
+                <a:close/>
+                <a:moveTo>
+                  <a:pt x="3530" y="0"/>
+                </a:moveTo>
+                <a:lnTo>
+                  <a:pt x="3191" y="68"/>
+                </a:lnTo>
+                <a:lnTo>
+                  <a:pt x="2444" y="339"/>
+                </a:lnTo>
+                <a:lnTo>
+                  <a:pt x="1766" y="679"/>
+                </a:lnTo>
+                <a:lnTo>
+                  <a:pt x="1155" y="1154"/>
+                </a:lnTo>
+                <a:lnTo>
+                  <a:pt x="679" y="1765"/>
+                </a:lnTo>
+                <a:lnTo>
+                  <a:pt x="272" y="2444"/>
+                </a:lnTo>
+                <a:lnTo>
+                  <a:pt x="69" y="3190"/>
+                </a:lnTo>
+                <a:lnTo>
+                  <a:pt x="1" y="3598"/>
+                </a:lnTo>
+                <a:lnTo>
+                  <a:pt x="1" y="4005"/>
+                </a:lnTo>
+                <a:lnTo>
+                  <a:pt x="1" y="91572"/>
+                </a:lnTo>
+                <a:lnTo>
+                  <a:pt x="1" y="91979"/>
+                </a:lnTo>
+                <a:lnTo>
+                  <a:pt x="69" y="92319"/>
+                </a:lnTo>
+                <a:lnTo>
+                  <a:pt x="272" y="93065"/>
+                </a:lnTo>
+                <a:lnTo>
+                  <a:pt x="679" y="93744"/>
+                </a:lnTo>
+                <a:lnTo>
+                  <a:pt x="1155" y="94355"/>
+                </a:lnTo>
+                <a:lnTo>
+                  <a:pt x="1766" y="94830"/>
+                </a:lnTo>
+                <a:lnTo>
+                  <a:pt x="2444" y="95238"/>
+                </a:lnTo>
+                <a:lnTo>
+                  <a:pt x="3191" y="95441"/>
+                </a:lnTo>
+                <a:lnTo>
+                  <a:pt x="3530" y="95509"/>
+                </a:lnTo>
+                <a:lnTo>
+                  <a:pt x="139904" y="95509"/>
+                </a:lnTo>
+                <a:lnTo>
+                  <a:pt x="140311" y="95441"/>
+                </a:lnTo>
+                <a:lnTo>
+                  <a:pt x="141058" y="95238"/>
+                </a:lnTo>
+                <a:lnTo>
+                  <a:pt x="141737" y="94830"/>
+                </a:lnTo>
+                <a:lnTo>
+                  <a:pt x="142280" y="94355"/>
+                </a:lnTo>
+                <a:lnTo>
+                  <a:pt x="142755" y="93744"/>
+                </a:lnTo>
+                <a:lnTo>
+                  <a:pt x="143162" y="93065"/>
+                </a:lnTo>
+                <a:lnTo>
+                  <a:pt x="143366" y="92319"/>
+                </a:lnTo>
+                <a:lnTo>
+                  <a:pt x="143434" y="91979"/>
+                </a:lnTo>
+                <a:lnTo>
+                  <a:pt x="143434" y="91572"/>
+                </a:lnTo>
+                <a:lnTo>
+                  <a:pt x="143434" y="4005"/>
+                </a:lnTo>
+                <a:lnTo>
+                  <a:pt x="143434" y="3598"/>
+                </a:lnTo>
+                <a:lnTo>
+                  <a:pt x="143366" y="3190"/>
+                </a:lnTo>
+                <a:lnTo>
+                  <a:pt x="143162" y="2444"/>
+                </a:lnTo>
+                <a:lnTo>
+                  <a:pt x="142755" y="1765"/>
+                </a:lnTo>
+                <a:lnTo>
+                  <a:pt x="142280" y="1154"/>
+                </a:lnTo>
+                <a:lnTo>
+                  <a:pt x="141737" y="679"/>
+                </a:lnTo>
+                <a:lnTo>
+                  <a:pt x="141058" y="339"/>
+                </a:lnTo>
+                <a:lnTo>
+                  <a:pt x="140311" y="68"/>
+                </a:lnTo>
+                <a:lnTo>
+                  <a:pt x="139904" y="0"/>
+                </a:lnTo>
+                <a:close/>
+                <a:moveTo>
+                  <a:pt x="55324" y="95713"/>
+                </a:moveTo>
+                <a:lnTo>
+                  <a:pt x="55052" y="98971"/>
+                </a:lnTo>
+                <a:lnTo>
+                  <a:pt x="54713" y="102297"/>
+                </a:lnTo>
+                <a:lnTo>
+                  <a:pt x="54374" y="105284"/>
+                </a:lnTo>
+                <a:lnTo>
+                  <a:pt x="53966" y="107388"/>
+                </a:lnTo>
+                <a:lnTo>
+                  <a:pt x="53763" y="108203"/>
+                </a:lnTo>
+                <a:lnTo>
+                  <a:pt x="53627" y="108746"/>
+                </a:lnTo>
+                <a:lnTo>
+                  <a:pt x="53423" y="109153"/>
+                </a:lnTo>
+                <a:lnTo>
+                  <a:pt x="53220" y="109357"/>
+                </a:lnTo>
+                <a:lnTo>
+                  <a:pt x="52677" y="109493"/>
+                </a:lnTo>
+                <a:lnTo>
+                  <a:pt x="51794" y="109696"/>
+                </a:lnTo>
+                <a:lnTo>
+                  <a:pt x="49690" y="110036"/>
+                </a:lnTo>
+                <a:lnTo>
+                  <a:pt x="48061" y="110307"/>
+                </a:lnTo>
+                <a:lnTo>
+                  <a:pt x="47450" y="110443"/>
+                </a:lnTo>
+                <a:lnTo>
+                  <a:pt x="47110" y="110511"/>
+                </a:lnTo>
+                <a:lnTo>
+                  <a:pt x="47042" y="110579"/>
+                </a:lnTo>
+                <a:lnTo>
+                  <a:pt x="47042" y="110783"/>
+                </a:lnTo>
+                <a:lnTo>
+                  <a:pt x="47110" y="110850"/>
+                </a:lnTo>
+                <a:lnTo>
+                  <a:pt x="47585" y="110918"/>
+                </a:lnTo>
+                <a:lnTo>
+                  <a:pt x="48400" y="110986"/>
+                </a:lnTo>
+                <a:lnTo>
+                  <a:pt x="51387" y="111054"/>
+                </a:lnTo>
+                <a:lnTo>
+                  <a:pt x="56071" y="111122"/>
+                </a:lnTo>
+                <a:lnTo>
+                  <a:pt x="87092" y="111122"/>
+                </a:lnTo>
+                <a:lnTo>
+                  <a:pt x="91708" y="111054"/>
+                </a:lnTo>
+                <a:lnTo>
+                  <a:pt x="94695" y="110986"/>
+                </a:lnTo>
+                <a:lnTo>
+                  <a:pt x="95578" y="110918"/>
+                </a:lnTo>
+                <a:lnTo>
+                  <a:pt x="96053" y="110850"/>
+                </a:lnTo>
+                <a:lnTo>
+                  <a:pt x="96121" y="110783"/>
+                </a:lnTo>
+                <a:lnTo>
+                  <a:pt x="96121" y="110579"/>
+                </a:lnTo>
+                <a:lnTo>
+                  <a:pt x="96053" y="110511"/>
+                </a:lnTo>
+                <a:lnTo>
+                  <a:pt x="95713" y="110443"/>
+                </a:lnTo>
+                <a:lnTo>
+                  <a:pt x="95102" y="110307"/>
+                </a:lnTo>
+                <a:lnTo>
+                  <a:pt x="93473" y="110036"/>
+                </a:lnTo>
+                <a:lnTo>
+                  <a:pt x="91369" y="109696"/>
+                </a:lnTo>
+                <a:lnTo>
+                  <a:pt x="90487" y="109493"/>
+                </a:lnTo>
+                <a:lnTo>
+                  <a:pt x="89943" y="109357"/>
+                </a:lnTo>
+                <a:lnTo>
+                  <a:pt x="89740" y="109153"/>
+                </a:lnTo>
+                <a:lnTo>
+                  <a:pt x="89536" y="108746"/>
+                </a:lnTo>
+                <a:lnTo>
+                  <a:pt x="89333" y="108203"/>
+                </a:lnTo>
+                <a:lnTo>
+                  <a:pt x="89197" y="107388"/>
+                </a:lnTo>
+                <a:lnTo>
+                  <a:pt x="88789" y="105284"/>
+                </a:lnTo>
+                <a:lnTo>
+                  <a:pt x="88382" y="102297"/>
+                </a:lnTo>
+                <a:lnTo>
+                  <a:pt x="88043" y="98971"/>
+                </a:lnTo>
+                <a:lnTo>
+                  <a:pt x="87839" y="95713"/>
+                </a:lnTo>
+                <a:close/>
+                <a:moveTo>
+                  <a:pt x="47450" y="111054"/>
+                </a:moveTo>
+                <a:lnTo>
+                  <a:pt x="47450" y="111122"/>
+                </a:lnTo>
+                <a:lnTo>
+                  <a:pt x="47450" y="111393"/>
+                </a:lnTo>
+                <a:lnTo>
+                  <a:pt x="47518" y="111461"/>
+                </a:lnTo>
+                <a:lnTo>
+                  <a:pt x="48807" y="111529"/>
+                </a:lnTo>
+                <a:lnTo>
+                  <a:pt x="52473" y="111597"/>
+                </a:lnTo>
+                <a:lnTo>
+                  <a:pt x="62384" y="111665"/>
+                </a:lnTo>
+                <a:lnTo>
+                  <a:pt x="80779" y="111665"/>
+                </a:lnTo>
+                <a:lnTo>
+                  <a:pt x="90622" y="111597"/>
+                </a:lnTo>
+                <a:lnTo>
+                  <a:pt x="94356" y="111529"/>
+                </a:lnTo>
+                <a:lnTo>
+                  <a:pt x="95646" y="111461"/>
+                </a:lnTo>
+                <a:lnTo>
+                  <a:pt x="95713" y="111393"/>
+                </a:lnTo>
+                <a:lnTo>
+                  <a:pt x="95713" y="111122"/>
+                </a:lnTo>
+                <a:lnTo>
+                  <a:pt x="95646" y="111054"/>
+                </a:lnTo>
+                <a:lnTo>
+                  <a:pt x="94084" y="111122"/>
+                </a:lnTo>
+                <a:lnTo>
+                  <a:pt x="91233" y="111190"/>
+                </a:lnTo>
+                <a:lnTo>
+                  <a:pt x="80847" y="111258"/>
+                </a:lnTo>
+                <a:lnTo>
+                  <a:pt x="62316" y="111258"/>
+                </a:lnTo>
+                <a:lnTo>
+                  <a:pt x="51930" y="111190"/>
+                </a:lnTo>
+                <a:lnTo>
+                  <a:pt x="49079" y="111122"/>
+                </a:lnTo>
+                <a:lnTo>
+                  <a:pt x="47518" y="111054"/>
+                </a:lnTo>
+                <a:close/>
+              </a:path>
+            </a:pathLst>
+          </a:custGeom>
+          <a:solidFill>
+            <a:srgbClr val="FFFFFF"/>
+          </a:solidFill>
+          <a:ln w="9525" cap="flat" cmpd="sng">
+            <a:solidFill>
+              <a:srgbClr val="28324A"/>
+            </a:solidFill>
+            <a:prstDash val="solid"/>
+            <a:round/>
+            <a:headEnd type="none" w="sm" len="sm"/>
+            <a:tailEnd type="none" w="sm" len="sm"/>
+          </a:ln>
+        </p:spPr>
+        <p:txBody>
+          <a:bodyPr spcFirstLastPara="1" wrap="square" lIns="91425" tIns="91425" rIns="91425" bIns="91425" anchor="ctr" anchorCtr="0">
+            <a:noAutofit/>
+          </a:bodyPr>
+          <a:lstStyle/>
+          <a:p>
+            <a:pPr marL="0" lvl="0" indent="0" algn="l" rtl="0">
+              <a:spcBef>
+                <a:spcPts val="0"/>
+              </a:spcBef>
+              <a:spcAft>
+                <a:spcPts val="0"/>
+              </a:spcAft>
+              <a:buNone/>
+            </a:pPr>
+            <a:endParaRPr>
+              <a:latin typeface="Source Sans Pro"/>
+              <a:ea typeface="Source Sans Pro"/>
+              <a:cs typeface="Source Sans Pro"/>
+              <a:sym typeface="Source Sans Pro"/>
+            </a:endParaRPr>
+          </a:p>
+        </p:txBody>
+      </p:sp>
+      <p:pic>
+        <p:nvPicPr>
+          <p:cNvPr id="3" name="Imagen 2" descr="Captura de pantalla de un celular&#10;&#10;Descripción generada automáticamente">
+            <a:extLst>
+              <a:ext uri="{FF2B5EF4-FFF2-40B4-BE49-F238E27FC236}">
+                <a16:creationId xmlns:a16="http://schemas.microsoft.com/office/drawing/2014/main" id="{9D291848-8E9F-4592-92FC-CFA1DCDF31AC}"/>
+              </a:ext>
+            </a:extLst>
+          </p:cNvPr>
+          <p:cNvPicPr>
+            <a:picLocks noChangeAspect="1"/>
+          </p:cNvPicPr>
+          <p:nvPr/>
+        </p:nvPicPr>
+        <p:blipFill>
+          <a:blip r:embed="rId3"/>
+          <a:stretch>
+            <a:fillRect/>
+          </a:stretch>
+        </p:blipFill>
+        <p:spPr>
+          <a:xfrm>
+            <a:off x="4177700" y="1664378"/>
+            <a:ext cx="4083797" cy="2088915"/>
+          </a:xfrm>
+          <a:prstGeom prst="rect">
+            <a:avLst/>
+          </a:prstGeom>
+        </p:spPr>
+      </p:pic>
+    </p:spTree>
+    <p:extLst>
+      <p:ext uri="{BB962C8B-B14F-4D97-AF65-F5344CB8AC3E}">
+        <p14:creationId xmlns:p14="http://schemas.microsoft.com/office/powerpoint/2010/main" val="3378210921"/>
+      </p:ext>
+    </p:extLst>
+  </p:cSld>
+  <p:clrMapOvr>
+    <a:masterClrMapping/>
+  </p:clrMapOvr>
+</p:sld>
+</file>
+
+<file path=ppt/slides/slide21.xml><?xml version="1.0" encoding="utf-8"?>
+<p:sld xmlns:a="http://schemas.openxmlformats.org/drawingml/2006/main" xmlns:r="http://schemas.openxmlformats.org/officeDocument/2006/relationships" xmlns:p="http://schemas.openxmlformats.org/presentationml/2006/main">
+  <p:cSld>
+    <p:spTree>
+      <p:nvGrpSpPr>
+        <p:cNvPr id="1" name="Shape 498"/>
+        <p:cNvGrpSpPr/>
+        <p:nvPr/>
+      </p:nvGrpSpPr>
+      <p:grpSpPr>
+        <a:xfrm>
+          <a:off x="0" y="0"/>
+          <a:ext cx="0" cy="0"/>
+          <a:chOff x="0" y="0"/>
+          <a:chExt cx="0" cy="0"/>
+        </a:xfrm>
+      </p:grpSpPr>
+      <p:sp>
+        <p:nvSpPr>
+          <p:cNvPr id="499" name="Google Shape;499;p18"/>
+          <p:cNvSpPr txBox="1">
+            <a:spLocks noGrp="1"/>
+          </p:cNvSpPr>
+          <p:nvPr>
+            <p:ph type="title"/>
+          </p:nvPr>
+        </p:nvSpPr>
+        <p:spPr>
+          <a:xfrm>
+            <a:off x="1047750" y="634125"/>
+            <a:ext cx="6996600" cy="715800"/>
+          </a:xfrm>
+          <a:prstGeom prst="rect">
+            <a:avLst/>
+          </a:prstGeom>
+        </p:spPr>
+        <p:txBody>
+          <a:bodyPr spcFirstLastPara="1" wrap="square" lIns="91425" tIns="91425" rIns="91425" bIns="91425" anchor="b" anchorCtr="0">
+            <a:noAutofit/>
+          </a:bodyPr>
+          <a:lstStyle/>
+          <a:p>
+            <a:pPr marL="0" lvl="0" indent="0" algn="ctr" rtl="0">
+              <a:spcBef>
+                <a:spcPts val="0"/>
+              </a:spcBef>
+              <a:spcAft>
+                <a:spcPts val="0"/>
+              </a:spcAft>
+              <a:buNone/>
+            </a:pPr>
+            <a:r>
+              <a:rPr lang="en" dirty="0">
+                <a:solidFill>
+                  <a:srgbClr val="3C78D8"/>
+                </a:solidFill>
+              </a:rPr>
+              <a:t>3.1.2</a:t>
+            </a:r>
+            <a:r>
+              <a:rPr lang="en" dirty="0"/>
+              <a:t> </a:t>
+            </a:r>
+            <a:r>
+              <a:rPr lang="es-PE" dirty="0"/>
+              <a:t>FLUJO DEL </a:t>
+            </a:r>
+            <a:r>
+              <a:rPr lang="es-PE" dirty="0">
+                <a:solidFill>
+                  <a:srgbClr val="3C78D8"/>
+                </a:solidFill>
+              </a:rPr>
+              <a:t>CONTRATISTA</a:t>
+            </a:r>
+            <a:r>
+              <a:rPr lang="es-PE" dirty="0"/>
+              <a:t> </a:t>
+            </a:r>
+            <a:endParaRPr dirty="0">
+              <a:solidFill>
+                <a:srgbClr val="3C78D8"/>
+              </a:solidFill>
+            </a:endParaRPr>
+          </a:p>
+        </p:txBody>
+      </p:sp>
+      <p:sp>
+        <p:nvSpPr>
+          <p:cNvPr id="500" name="Google Shape;500;p18"/>
+          <p:cNvSpPr txBox="1">
+            <a:spLocks noGrp="1"/>
+          </p:cNvSpPr>
+          <p:nvPr>
+            <p:ph type="body" idx="1"/>
+          </p:nvPr>
+        </p:nvSpPr>
+        <p:spPr>
+          <a:xfrm>
+            <a:off x="542261" y="1405437"/>
+            <a:ext cx="3253564" cy="3103938"/>
+          </a:xfrm>
+          <a:prstGeom prst="rect">
+            <a:avLst/>
+          </a:prstGeom>
+        </p:spPr>
+        <p:txBody>
+          <a:bodyPr spcFirstLastPara="1" wrap="square" lIns="91425" tIns="91425" rIns="91425" bIns="91425" anchor="t" anchorCtr="0">
+            <a:noAutofit/>
+          </a:bodyPr>
+          <a:lstStyle/>
+          <a:p>
+            <a:pPr marL="101600" lvl="0" indent="0" algn="just" rtl="0">
+              <a:spcBef>
+                <a:spcPts val="600"/>
+              </a:spcBef>
+              <a:spcAft>
+                <a:spcPts val="0"/>
+              </a:spcAft>
+              <a:buSzPts val="2000"/>
+              <a:buNone/>
+            </a:pPr>
+            <a:r>
+              <a:rPr lang="es-ES" dirty="0"/>
+              <a:t>Flujo del Contratista:</a:t>
+            </a:r>
+          </a:p>
+          <a:p>
+            <a:pPr marL="558800" lvl="0" indent="-457200" algn="just" rtl="0">
+              <a:spcBef>
+                <a:spcPts val="600"/>
+              </a:spcBef>
+              <a:spcAft>
+                <a:spcPts val="0"/>
+              </a:spcAft>
+              <a:buSzPts val="2000"/>
+              <a:buFont typeface="+mj-lt"/>
+              <a:buAutoNum type="arabicPeriod"/>
+            </a:pPr>
+            <a:r>
+              <a:rPr lang="es-ES" b="1" dirty="0"/>
+              <a:t>Registrar los Servicios que ofrece</a:t>
+            </a:r>
+          </a:p>
+          <a:p>
+            <a:pPr marL="558800" lvl="0" indent="-457200" algn="just" rtl="0">
+              <a:spcBef>
+                <a:spcPts val="600"/>
+              </a:spcBef>
+              <a:spcAft>
+                <a:spcPts val="0"/>
+              </a:spcAft>
+              <a:buSzPts val="2000"/>
+              <a:buFont typeface="+mj-lt"/>
+              <a:buAutoNum type="arabicPeriod"/>
+            </a:pPr>
+            <a:r>
+              <a:rPr lang="es-ES" dirty="0"/>
+              <a:t>Los clientes realizaran los Contratos con servicios de su interés</a:t>
+            </a:r>
+          </a:p>
+          <a:p>
+            <a:pPr marL="558800" lvl="0" indent="-457200" algn="just" rtl="0">
+              <a:spcBef>
+                <a:spcPts val="600"/>
+              </a:spcBef>
+              <a:spcAft>
+                <a:spcPts val="0"/>
+              </a:spcAft>
+              <a:buSzPts val="2000"/>
+              <a:buFont typeface="+mj-lt"/>
+              <a:buAutoNum type="arabicPeriod"/>
+            </a:pPr>
+            <a:r>
+              <a:rPr lang="es-ES" dirty="0"/>
+              <a:t>El contratista podrá revisar sus nuevos contratos activos</a:t>
+            </a:r>
+          </a:p>
+        </p:txBody>
+      </p:sp>
+      <p:sp>
+        <p:nvSpPr>
+          <p:cNvPr id="501" name="Google Shape;501;p18"/>
+          <p:cNvSpPr txBox="1">
+            <a:spLocks noGrp="1"/>
+          </p:cNvSpPr>
+          <p:nvPr>
+            <p:ph type="sldNum" idx="12"/>
+          </p:nvPr>
+        </p:nvSpPr>
+        <p:spPr>
+          <a:xfrm>
+            <a:off x="8556775" y="4826200"/>
+            <a:ext cx="548700" cy="317400"/>
+          </a:xfrm>
+          <a:prstGeom prst="rect">
+            <a:avLst/>
+          </a:prstGeom>
+        </p:spPr>
+        <p:txBody>
+          <a:bodyPr spcFirstLastPara="1" wrap="square" lIns="91425" tIns="91425" rIns="91425" bIns="91425" anchor="t" anchorCtr="0">
+            <a:noAutofit/>
+          </a:bodyPr>
+          <a:lstStyle/>
+          <a:p>
+            <a:pPr marL="0" lvl="0" indent="0" algn="r" rtl="0">
+              <a:spcBef>
+                <a:spcPts val="0"/>
+              </a:spcBef>
+              <a:spcAft>
+                <a:spcPts val="0"/>
+              </a:spcAft>
+              <a:buNone/>
+            </a:pPr>
+            <a:fld id="{00000000-1234-1234-1234-123412341234}" type="slidenum">
+              <a:rPr lang="en"/>
+              <a:t>21</a:t>
+            </a:fld>
+            <a:endParaRPr/>
+          </a:p>
+        </p:txBody>
+      </p:sp>
+      <p:sp>
+        <p:nvSpPr>
+          <p:cNvPr id="8" name="Google Shape;758;p36">
+            <a:extLst>
+              <a:ext uri="{FF2B5EF4-FFF2-40B4-BE49-F238E27FC236}">
+                <a16:creationId xmlns:a16="http://schemas.microsoft.com/office/drawing/2014/main" id="{7D3F52D2-6B72-4E57-A628-7303F86480CE}"/>
+              </a:ext>
+            </a:extLst>
+          </p:cNvPr>
+          <p:cNvSpPr/>
+          <p:nvPr/>
+        </p:nvSpPr>
+        <p:spPr>
+          <a:xfrm>
+            <a:off x="3965944" y="1515059"/>
+            <a:ext cx="4476307" cy="2844290"/>
+          </a:xfrm>
+          <a:custGeom>
+            <a:avLst/>
+            <a:gdLst/>
+            <a:ahLst/>
+            <a:cxnLst/>
+            <a:rect l="l" t="t" r="r" b="b"/>
+            <a:pathLst>
+              <a:path w="143434" h="111665" extrusionOk="0">
+                <a:moveTo>
+                  <a:pt x="71751" y="2308"/>
+                </a:moveTo>
+                <a:lnTo>
+                  <a:pt x="71887" y="2376"/>
+                </a:lnTo>
+                <a:lnTo>
+                  <a:pt x="72091" y="2444"/>
+                </a:lnTo>
+                <a:lnTo>
+                  <a:pt x="72159" y="2647"/>
+                </a:lnTo>
+                <a:lnTo>
+                  <a:pt x="72226" y="2783"/>
+                </a:lnTo>
+                <a:lnTo>
+                  <a:pt x="72159" y="2987"/>
+                </a:lnTo>
+                <a:lnTo>
+                  <a:pt x="72091" y="3190"/>
+                </a:lnTo>
+                <a:lnTo>
+                  <a:pt x="71887" y="3258"/>
+                </a:lnTo>
+                <a:lnTo>
+                  <a:pt x="71751" y="3326"/>
+                </a:lnTo>
+                <a:lnTo>
+                  <a:pt x="71548" y="3258"/>
+                </a:lnTo>
+                <a:lnTo>
+                  <a:pt x="71344" y="3190"/>
+                </a:lnTo>
+                <a:lnTo>
+                  <a:pt x="71276" y="2987"/>
+                </a:lnTo>
+                <a:lnTo>
+                  <a:pt x="71208" y="2783"/>
+                </a:lnTo>
+                <a:lnTo>
+                  <a:pt x="71276" y="2647"/>
+                </a:lnTo>
+                <a:lnTo>
+                  <a:pt x="71344" y="2444"/>
+                </a:lnTo>
+                <a:lnTo>
+                  <a:pt x="71548" y="2376"/>
+                </a:lnTo>
+                <a:lnTo>
+                  <a:pt x="71751" y="2308"/>
+                </a:lnTo>
+                <a:close/>
+                <a:moveTo>
+                  <a:pt x="137528" y="5906"/>
+                </a:moveTo>
+                <a:lnTo>
+                  <a:pt x="137596" y="5974"/>
+                </a:lnTo>
+                <a:lnTo>
+                  <a:pt x="137596" y="89604"/>
+                </a:lnTo>
+                <a:lnTo>
+                  <a:pt x="5906" y="89604"/>
+                </a:lnTo>
+                <a:lnTo>
+                  <a:pt x="5906" y="5974"/>
+                </a:lnTo>
+                <a:lnTo>
+                  <a:pt x="5906" y="5906"/>
+                </a:lnTo>
+                <a:close/>
+                <a:moveTo>
+                  <a:pt x="3530" y="0"/>
+                </a:moveTo>
+                <a:lnTo>
+                  <a:pt x="3191" y="68"/>
+                </a:lnTo>
+                <a:lnTo>
+                  <a:pt x="2444" y="339"/>
+                </a:lnTo>
+                <a:lnTo>
+                  <a:pt x="1766" y="679"/>
+                </a:lnTo>
+                <a:lnTo>
+                  <a:pt x="1155" y="1154"/>
+                </a:lnTo>
+                <a:lnTo>
+                  <a:pt x="679" y="1765"/>
+                </a:lnTo>
+                <a:lnTo>
+                  <a:pt x="272" y="2444"/>
+                </a:lnTo>
+                <a:lnTo>
+                  <a:pt x="69" y="3190"/>
+                </a:lnTo>
+                <a:lnTo>
+                  <a:pt x="1" y="3598"/>
+                </a:lnTo>
+                <a:lnTo>
+                  <a:pt x="1" y="4005"/>
+                </a:lnTo>
+                <a:lnTo>
+                  <a:pt x="1" y="91572"/>
+                </a:lnTo>
+                <a:lnTo>
+                  <a:pt x="1" y="91979"/>
+                </a:lnTo>
+                <a:lnTo>
+                  <a:pt x="69" y="92319"/>
+                </a:lnTo>
+                <a:lnTo>
+                  <a:pt x="272" y="93065"/>
+                </a:lnTo>
+                <a:lnTo>
+                  <a:pt x="679" y="93744"/>
+                </a:lnTo>
+                <a:lnTo>
+                  <a:pt x="1155" y="94355"/>
+                </a:lnTo>
+                <a:lnTo>
+                  <a:pt x="1766" y="94830"/>
+                </a:lnTo>
+                <a:lnTo>
+                  <a:pt x="2444" y="95238"/>
+                </a:lnTo>
+                <a:lnTo>
+                  <a:pt x="3191" y="95441"/>
+                </a:lnTo>
+                <a:lnTo>
+                  <a:pt x="3530" y="95509"/>
+                </a:lnTo>
+                <a:lnTo>
+                  <a:pt x="139904" y="95509"/>
+                </a:lnTo>
+                <a:lnTo>
+                  <a:pt x="140311" y="95441"/>
+                </a:lnTo>
+                <a:lnTo>
+                  <a:pt x="141058" y="95238"/>
+                </a:lnTo>
+                <a:lnTo>
+                  <a:pt x="141737" y="94830"/>
+                </a:lnTo>
+                <a:lnTo>
+                  <a:pt x="142280" y="94355"/>
+                </a:lnTo>
+                <a:lnTo>
+                  <a:pt x="142755" y="93744"/>
+                </a:lnTo>
+                <a:lnTo>
+                  <a:pt x="143162" y="93065"/>
+                </a:lnTo>
+                <a:lnTo>
+                  <a:pt x="143366" y="92319"/>
+                </a:lnTo>
+                <a:lnTo>
+                  <a:pt x="143434" y="91979"/>
+                </a:lnTo>
+                <a:lnTo>
+                  <a:pt x="143434" y="91572"/>
+                </a:lnTo>
+                <a:lnTo>
+                  <a:pt x="143434" y="4005"/>
+                </a:lnTo>
+                <a:lnTo>
+                  <a:pt x="143434" y="3598"/>
+                </a:lnTo>
+                <a:lnTo>
+                  <a:pt x="143366" y="3190"/>
+                </a:lnTo>
+                <a:lnTo>
+                  <a:pt x="143162" y="2444"/>
+                </a:lnTo>
+                <a:lnTo>
+                  <a:pt x="142755" y="1765"/>
+                </a:lnTo>
+                <a:lnTo>
+                  <a:pt x="142280" y="1154"/>
+                </a:lnTo>
+                <a:lnTo>
+                  <a:pt x="141737" y="679"/>
+                </a:lnTo>
+                <a:lnTo>
+                  <a:pt x="141058" y="339"/>
+                </a:lnTo>
+                <a:lnTo>
+                  <a:pt x="140311" y="68"/>
+                </a:lnTo>
+                <a:lnTo>
+                  <a:pt x="139904" y="0"/>
+                </a:lnTo>
+                <a:close/>
+                <a:moveTo>
+                  <a:pt x="55324" y="95713"/>
+                </a:moveTo>
+                <a:lnTo>
+                  <a:pt x="55052" y="98971"/>
+                </a:lnTo>
+                <a:lnTo>
+                  <a:pt x="54713" y="102297"/>
+                </a:lnTo>
+                <a:lnTo>
+                  <a:pt x="54374" y="105284"/>
+                </a:lnTo>
+                <a:lnTo>
+                  <a:pt x="53966" y="107388"/>
+                </a:lnTo>
+                <a:lnTo>
+                  <a:pt x="53763" y="108203"/>
+                </a:lnTo>
+                <a:lnTo>
+                  <a:pt x="53627" y="108746"/>
+                </a:lnTo>
+                <a:lnTo>
+                  <a:pt x="53423" y="109153"/>
+                </a:lnTo>
+                <a:lnTo>
+                  <a:pt x="53220" y="109357"/>
+                </a:lnTo>
+                <a:lnTo>
+                  <a:pt x="52677" y="109493"/>
+                </a:lnTo>
+                <a:lnTo>
+                  <a:pt x="51794" y="109696"/>
+                </a:lnTo>
+                <a:lnTo>
+                  <a:pt x="49690" y="110036"/>
+                </a:lnTo>
+                <a:lnTo>
+                  <a:pt x="48061" y="110307"/>
+                </a:lnTo>
+                <a:lnTo>
+                  <a:pt x="47450" y="110443"/>
+                </a:lnTo>
+                <a:lnTo>
+                  <a:pt x="47110" y="110511"/>
+                </a:lnTo>
+                <a:lnTo>
+                  <a:pt x="47042" y="110579"/>
+                </a:lnTo>
+                <a:lnTo>
+                  <a:pt x="47042" y="110783"/>
+                </a:lnTo>
+                <a:lnTo>
+                  <a:pt x="47110" y="110850"/>
+                </a:lnTo>
+                <a:lnTo>
+                  <a:pt x="47585" y="110918"/>
+                </a:lnTo>
+                <a:lnTo>
+                  <a:pt x="48400" y="110986"/>
+                </a:lnTo>
+                <a:lnTo>
+                  <a:pt x="51387" y="111054"/>
+                </a:lnTo>
+                <a:lnTo>
+                  <a:pt x="56071" y="111122"/>
+                </a:lnTo>
+                <a:lnTo>
+                  <a:pt x="87092" y="111122"/>
+                </a:lnTo>
+                <a:lnTo>
+                  <a:pt x="91708" y="111054"/>
+                </a:lnTo>
+                <a:lnTo>
+                  <a:pt x="94695" y="110986"/>
+                </a:lnTo>
+                <a:lnTo>
+                  <a:pt x="95578" y="110918"/>
+                </a:lnTo>
+                <a:lnTo>
+                  <a:pt x="96053" y="110850"/>
+                </a:lnTo>
+                <a:lnTo>
+                  <a:pt x="96121" y="110783"/>
+                </a:lnTo>
+                <a:lnTo>
+                  <a:pt x="96121" y="110579"/>
+                </a:lnTo>
+                <a:lnTo>
+                  <a:pt x="96053" y="110511"/>
+                </a:lnTo>
+                <a:lnTo>
+                  <a:pt x="95713" y="110443"/>
+                </a:lnTo>
+                <a:lnTo>
+                  <a:pt x="95102" y="110307"/>
+                </a:lnTo>
+                <a:lnTo>
+                  <a:pt x="93473" y="110036"/>
+                </a:lnTo>
+                <a:lnTo>
+                  <a:pt x="91369" y="109696"/>
+                </a:lnTo>
+                <a:lnTo>
+                  <a:pt x="90487" y="109493"/>
+                </a:lnTo>
+                <a:lnTo>
+                  <a:pt x="89943" y="109357"/>
+                </a:lnTo>
+                <a:lnTo>
+                  <a:pt x="89740" y="109153"/>
+                </a:lnTo>
+                <a:lnTo>
+                  <a:pt x="89536" y="108746"/>
+                </a:lnTo>
+                <a:lnTo>
+                  <a:pt x="89333" y="108203"/>
+                </a:lnTo>
+                <a:lnTo>
+                  <a:pt x="89197" y="107388"/>
+                </a:lnTo>
+                <a:lnTo>
+                  <a:pt x="88789" y="105284"/>
+                </a:lnTo>
+                <a:lnTo>
+                  <a:pt x="88382" y="102297"/>
+                </a:lnTo>
+                <a:lnTo>
+                  <a:pt x="88043" y="98971"/>
+                </a:lnTo>
+                <a:lnTo>
+                  <a:pt x="87839" y="95713"/>
+                </a:lnTo>
+                <a:close/>
+                <a:moveTo>
+                  <a:pt x="47450" y="111054"/>
+                </a:moveTo>
+                <a:lnTo>
+                  <a:pt x="47450" y="111122"/>
+                </a:lnTo>
+                <a:lnTo>
+                  <a:pt x="47450" y="111393"/>
+                </a:lnTo>
+                <a:lnTo>
+                  <a:pt x="47518" y="111461"/>
+                </a:lnTo>
+                <a:lnTo>
+                  <a:pt x="48807" y="111529"/>
+                </a:lnTo>
+                <a:lnTo>
+                  <a:pt x="52473" y="111597"/>
+                </a:lnTo>
+                <a:lnTo>
+                  <a:pt x="62384" y="111665"/>
+                </a:lnTo>
+                <a:lnTo>
+                  <a:pt x="80779" y="111665"/>
+                </a:lnTo>
+                <a:lnTo>
+                  <a:pt x="90622" y="111597"/>
+                </a:lnTo>
+                <a:lnTo>
+                  <a:pt x="94356" y="111529"/>
+                </a:lnTo>
+                <a:lnTo>
+                  <a:pt x="95646" y="111461"/>
+                </a:lnTo>
+                <a:lnTo>
+                  <a:pt x="95713" y="111393"/>
+                </a:lnTo>
+                <a:lnTo>
+                  <a:pt x="95713" y="111122"/>
+                </a:lnTo>
+                <a:lnTo>
+                  <a:pt x="95646" y="111054"/>
+                </a:lnTo>
+                <a:lnTo>
+                  <a:pt x="94084" y="111122"/>
+                </a:lnTo>
+                <a:lnTo>
+                  <a:pt x="91233" y="111190"/>
+                </a:lnTo>
+                <a:lnTo>
+                  <a:pt x="80847" y="111258"/>
+                </a:lnTo>
+                <a:lnTo>
+                  <a:pt x="62316" y="111258"/>
+                </a:lnTo>
+                <a:lnTo>
+                  <a:pt x="51930" y="111190"/>
+                </a:lnTo>
+                <a:lnTo>
+                  <a:pt x="49079" y="111122"/>
+                </a:lnTo>
+                <a:lnTo>
+                  <a:pt x="47518" y="111054"/>
+                </a:lnTo>
+                <a:close/>
+              </a:path>
+            </a:pathLst>
+          </a:custGeom>
+          <a:solidFill>
+            <a:srgbClr val="FFFFFF"/>
+          </a:solidFill>
+          <a:ln w="9525" cap="flat" cmpd="sng">
+            <a:solidFill>
+              <a:srgbClr val="28324A"/>
+            </a:solidFill>
+            <a:prstDash val="solid"/>
+            <a:round/>
+            <a:headEnd type="none" w="sm" len="sm"/>
+            <a:tailEnd type="none" w="sm" len="sm"/>
+          </a:ln>
+        </p:spPr>
+        <p:txBody>
+          <a:bodyPr spcFirstLastPara="1" wrap="square" lIns="91425" tIns="91425" rIns="91425" bIns="91425" anchor="ctr" anchorCtr="0">
+            <a:noAutofit/>
+          </a:bodyPr>
+          <a:lstStyle/>
+          <a:p>
+            <a:pPr marL="0" lvl="0" indent="0" algn="l" rtl="0">
+              <a:spcBef>
+                <a:spcPts val="0"/>
+              </a:spcBef>
+              <a:spcAft>
+                <a:spcPts val="0"/>
+              </a:spcAft>
+              <a:buNone/>
+            </a:pPr>
+            <a:endParaRPr>
+              <a:latin typeface="Source Sans Pro"/>
+              <a:ea typeface="Source Sans Pro"/>
+              <a:cs typeface="Source Sans Pro"/>
+              <a:sym typeface="Source Sans Pro"/>
+            </a:endParaRPr>
+          </a:p>
+        </p:txBody>
+      </p:sp>
+      <p:pic>
+        <p:nvPicPr>
+          <p:cNvPr id="4" name="Imagen 3" descr="Captura de pantalla de un celular&#10;&#10;Descripción generada automáticamente">
+            <a:extLst>
+              <a:ext uri="{FF2B5EF4-FFF2-40B4-BE49-F238E27FC236}">
+                <a16:creationId xmlns:a16="http://schemas.microsoft.com/office/drawing/2014/main" id="{8D8A2548-BED4-477E-B39A-7E689A774BCC}"/>
+              </a:ext>
+            </a:extLst>
+          </p:cNvPr>
+          <p:cNvPicPr>
+            <a:picLocks noChangeAspect="1"/>
+          </p:cNvPicPr>
+          <p:nvPr/>
+        </p:nvPicPr>
+        <p:blipFill>
+          <a:blip r:embed="rId3"/>
+          <a:stretch>
+            <a:fillRect/>
+          </a:stretch>
+        </p:blipFill>
+        <p:spPr>
+          <a:xfrm>
+            <a:off x="4167964" y="1682537"/>
+            <a:ext cx="4093534" cy="2113286"/>
+          </a:xfrm>
+          <a:prstGeom prst="rect">
+            <a:avLst/>
+          </a:prstGeom>
+        </p:spPr>
+      </p:pic>
+    </p:spTree>
+    <p:extLst>
+      <p:ext uri="{BB962C8B-B14F-4D97-AF65-F5344CB8AC3E}">
+        <p14:creationId xmlns:p14="http://schemas.microsoft.com/office/powerpoint/2010/main" val="2718691377"/>
+      </p:ext>
+    </p:extLst>
+  </p:cSld>
+  <p:clrMapOvr>
+    <a:masterClrMapping/>
+  </p:clrMapOvr>
+</p:sld>
+</file>
+
+<file path=ppt/slides/slide22.xml><?xml version="1.0" encoding="utf-8"?>
+<p:sld xmlns:a="http://schemas.openxmlformats.org/drawingml/2006/main" xmlns:r="http://schemas.openxmlformats.org/officeDocument/2006/relationships" xmlns:p="http://schemas.openxmlformats.org/presentationml/2006/main">
+  <p:cSld>
+    <p:spTree>
+      <p:nvGrpSpPr>
+        <p:cNvPr id="1" name="Shape 498"/>
+        <p:cNvGrpSpPr/>
+        <p:nvPr/>
+      </p:nvGrpSpPr>
+      <p:grpSpPr>
+        <a:xfrm>
+          <a:off x="0" y="0"/>
+          <a:ext cx="0" cy="0"/>
+          <a:chOff x="0" y="0"/>
+          <a:chExt cx="0" cy="0"/>
+        </a:xfrm>
+      </p:grpSpPr>
+      <p:sp>
+        <p:nvSpPr>
+          <p:cNvPr id="499" name="Google Shape;499;p18"/>
+          <p:cNvSpPr txBox="1">
+            <a:spLocks noGrp="1"/>
+          </p:cNvSpPr>
+          <p:nvPr>
+            <p:ph type="title"/>
+          </p:nvPr>
+        </p:nvSpPr>
+        <p:spPr>
+          <a:xfrm>
+            <a:off x="1047750" y="634125"/>
+            <a:ext cx="6996600" cy="715800"/>
+          </a:xfrm>
+          <a:prstGeom prst="rect">
+            <a:avLst/>
+          </a:prstGeom>
+        </p:spPr>
+        <p:txBody>
+          <a:bodyPr spcFirstLastPara="1" wrap="square" lIns="91425" tIns="91425" rIns="91425" bIns="91425" anchor="b" anchorCtr="0">
+            <a:noAutofit/>
+          </a:bodyPr>
+          <a:lstStyle/>
+          <a:p>
+            <a:pPr marL="0" lvl="0" indent="0" algn="ctr" rtl="0">
+              <a:spcBef>
+                <a:spcPts val="0"/>
+              </a:spcBef>
+              <a:spcAft>
+                <a:spcPts val="0"/>
+              </a:spcAft>
+              <a:buNone/>
+            </a:pPr>
+            <a:r>
+              <a:rPr lang="en" dirty="0">
+                <a:solidFill>
+                  <a:srgbClr val="3C78D8"/>
+                </a:solidFill>
+              </a:rPr>
+              <a:t>3.2.1</a:t>
+            </a:r>
+            <a:r>
+              <a:rPr lang="en" dirty="0"/>
+              <a:t> </a:t>
+            </a:r>
+            <a:r>
+              <a:rPr lang="es-PE" dirty="0"/>
+              <a:t>OPERACIONES DEL </a:t>
+            </a:r>
+            <a:r>
+              <a:rPr lang="es-PE" dirty="0">
+                <a:solidFill>
+                  <a:srgbClr val="3C78D8"/>
+                </a:solidFill>
+              </a:rPr>
+              <a:t>CLIENTE</a:t>
+            </a:r>
+            <a:r>
+              <a:rPr lang="es-PE" dirty="0"/>
+              <a:t> </a:t>
+            </a:r>
+            <a:endParaRPr dirty="0">
+              <a:solidFill>
+                <a:srgbClr val="3C78D8"/>
+              </a:solidFill>
+            </a:endParaRPr>
+          </a:p>
+        </p:txBody>
+      </p:sp>
+      <p:sp>
+        <p:nvSpPr>
+          <p:cNvPr id="500" name="Google Shape;500;p18"/>
+          <p:cNvSpPr txBox="1">
+            <a:spLocks noGrp="1"/>
+          </p:cNvSpPr>
+          <p:nvPr>
+            <p:ph type="body" idx="1"/>
+          </p:nvPr>
+        </p:nvSpPr>
+        <p:spPr>
+          <a:xfrm>
+            <a:off x="425303" y="1405437"/>
+            <a:ext cx="3370522" cy="2156470"/>
+          </a:xfrm>
+          <a:prstGeom prst="rect">
+            <a:avLst/>
+          </a:prstGeom>
+        </p:spPr>
+        <p:txBody>
+          <a:bodyPr spcFirstLastPara="1" wrap="square" lIns="91425" tIns="91425" rIns="91425" bIns="91425" anchor="t" anchorCtr="0">
+            <a:noAutofit/>
+          </a:bodyPr>
+          <a:lstStyle/>
+          <a:p>
+            <a:pPr marL="101600" lvl="0" indent="0" algn="just" rtl="0">
+              <a:spcBef>
+                <a:spcPts val="600"/>
+              </a:spcBef>
+              <a:spcAft>
+                <a:spcPts val="0"/>
+              </a:spcAft>
+              <a:buSzPts val="2000"/>
+              <a:buNone/>
+            </a:pPr>
+            <a:r>
+              <a:rPr lang="es-ES" dirty="0"/>
+              <a:t>Operaciones del Cliente:</a:t>
+            </a:r>
+          </a:p>
+          <a:p>
+            <a:pPr marL="457200" lvl="0" indent="-355600" algn="just" rtl="0">
+              <a:spcBef>
+                <a:spcPts val="600"/>
+              </a:spcBef>
+              <a:spcAft>
+                <a:spcPts val="0"/>
+              </a:spcAft>
+              <a:buSzPts val="2000"/>
+              <a:buChar char="◉"/>
+            </a:pPr>
+            <a:r>
+              <a:rPr lang="es-ES" dirty="0"/>
+              <a:t>Consultar sus contratos activos</a:t>
+            </a:r>
+          </a:p>
+          <a:p>
+            <a:pPr marL="457200" lvl="0" indent="-355600" algn="just" rtl="0">
+              <a:spcBef>
+                <a:spcPts val="600"/>
+              </a:spcBef>
+              <a:spcAft>
+                <a:spcPts val="0"/>
+              </a:spcAft>
+              <a:buSzPts val="2000"/>
+              <a:buChar char="◉"/>
+            </a:pPr>
+            <a:r>
+              <a:rPr lang="es-ES" dirty="0"/>
+              <a:t>Mantenimiento de sus Contratos</a:t>
+            </a:r>
+          </a:p>
+        </p:txBody>
+      </p:sp>
+      <p:sp>
+        <p:nvSpPr>
+          <p:cNvPr id="501" name="Google Shape;501;p18"/>
+          <p:cNvSpPr txBox="1">
+            <a:spLocks noGrp="1"/>
+          </p:cNvSpPr>
+          <p:nvPr>
+            <p:ph type="sldNum" idx="12"/>
+          </p:nvPr>
+        </p:nvSpPr>
+        <p:spPr>
+          <a:xfrm>
+            <a:off x="8556775" y="4826200"/>
+            <a:ext cx="548700" cy="317400"/>
+          </a:xfrm>
+          <a:prstGeom prst="rect">
+            <a:avLst/>
+          </a:prstGeom>
+        </p:spPr>
+        <p:txBody>
+          <a:bodyPr spcFirstLastPara="1" wrap="square" lIns="91425" tIns="91425" rIns="91425" bIns="91425" anchor="t" anchorCtr="0">
+            <a:noAutofit/>
+          </a:bodyPr>
+          <a:lstStyle/>
+          <a:p>
+            <a:pPr marL="0" lvl="0" indent="0" algn="r" rtl="0">
+              <a:spcBef>
+                <a:spcPts val="0"/>
+              </a:spcBef>
+              <a:spcAft>
+                <a:spcPts val="0"/>
+              </a:spcAft>
+              <a:buNone/>
+            </a:pPr>
+            <a:fld id="{00000000-1234-1234-1234-123412341234}" type="slidenum">
+              <a:rPr lang="en"/>
+              <a:t>22</a:t>
+            </a:fld>
+            <a:endParaRPr/>
+          </a:p>
+        </p:txBody>
+      </p:sp>
+      <p:sp>
+        <p:nvSpPr>
+          <p:cNvPr id="8" name="Google Shape;758;p36">
+            <a:extLst>
+              <a:ext uri="{FF2B5EF4-FFF2-40B4-BE49-F238E27FC236}">
+                <a16:creationId xmlns:a16="http://schemas.microsoft.com/office/drawing/2014/main" id="{7D3F52D2-6B72-4E57-A628-7303F86480CE}"/>
+              </a:ext>
+            </a:extLst>
+          </p:cNvPr>
+          <p:cNvSpPr/>
+          <p:nvPr/>
+        </p:nvSpPr>
+        <p:spPr>
+          <a:xfrm>
+            <a:off x="3965944" y="1515059"/>
+            <a:ext cx="4476307" cy="2844290"/>
+          </a:xfrm>
+          <a:custGeom>
+            <a:avLst/>
+            <a:gdLst/>
+            <a:ahLst/>
+            <a:cxnLst/>
+            <a:rect l="l" t="t" r="r" b="b"/>
+            <a:pathLst>
+              <a:path w="143434" h="111665" extrusionOk="0">
+                <a:moveTo>
+                  <a:pt x="71751" y="2308"/>
+                </a:moveTo>
+                <a:lnTo>
+                  <a:pt x="71887" y="2376"/>
+                </a:lnTo>
+                <a:lnTo>
+                  <a:pt x="72091" y="2444"/>
+                </a:lnTo>
+                <a:lnTo>
+                  <a:pt x="72159" y="2647"/>
+                </a:lnTo>
+                <a:lnTo>
+                  <a:pt x="72226" y="2783"/>
+                </a:lnTo>
+                <a:lnTo>
+                  <a:pt x="72159" y="2987"/>
+                </a:lnTo>
+                <a:lnTo>
+                  <a:pt x="72091" y="3190"/>
+                </a:lnTo>
+                <a:lnTo>
+                  <a:pt x="71887" y="3258"/>
+                </a:lnTo>
+                <a:lnTo>
+                  <a:pt x="71751" y="3326"/>
+                </a:lnTo>
+                <a:lnTo>
+                  <a:pt x="71548" y="3258"/>
+                </a:lnTo>
+                <a:lnTo>
+                  <a:pt x="71344" y="3190"/>
+                </a:lnTo>
+                <a:lnTo>
+                  <a:pt x="71276" y="2987"/>
+                </a:lnTo>
+                <a:lnTo>
+                  <a:pt x="71208" y="2783"/>
+                </a:lnTo>
+                <a:lnTo>
+                  <a:pt x="71276" y="2647"/>
+                </a:lnTo>
+                <a:lnTo>
+                  <a:pt x="71344" y="2444"/>
+                </a:lnTo>
+                <a:lnTo>
+                  <a:pt x="71548" y="2376"/>
+                </a:lnTo>
+                <a:lnTo>
+                  <a:pt x="71751" y="2308"/>
+                </a:lnTo>
+                <a:close/>
+                <a:moveTo>
+                  <a:pt x="137528" y="5906"/>
+                </a:moveTo>
+                <a:lnTo>
+                  <a:pt x="137596" y="5974"/>
+                </a:lnTo>
+                <a:lnTo>
+                  <a:pt x="137596" y="89604"/>
+                </a:lnTo>
+                <a:lnTo>
+                  <a:pt x="5906" y="89604"/>
+                </a:lnTo>
+                <a:lnTo>
+                  <a:pt x="5906" y="5974"/>
+                </a:lnTo>
+                <a:lnTo>
+                  <a:pt x="5906" y="5906"/>
+                </a:lnTo>
+                <a:close/>
+                <a:moveTo>
+                  <a:pt x="3530" y="0"/>
+                </a:moveTo>
+                <a:lnTo>
+                  <a:pt x="3191" y="68"/>
+                </a:lnTo>
+                <a:lnTo>
+                  <a:pt x="2444" y="339"/>
+                </a:lnTo>
+                <a:lnTo>
+                  <a:pt x="1766" y="679"/>
+                </a:lnTo>
+                <a:lnTo>
+                  <a:pt x="1155" y="1154"/>
+                </a:lnTo>
+                <a:lnTo>
+                  <a:pt x="679" y="1765"/>
+                </a:lnTo>
+                <a:lnTo>
+                  <a:pt x="272" y="2444"/>
+                </a:lnTo>
+                <a:lnTo>
+                  <a:pt x="69" y="3190"/>
+                </a:lnTo>
+                <a:lnTo>
+                  <a:pt x="1" y="3598"/>
+                </a:lnTo>
+                <a:lnTo>
+                  <a:pt x="1" y="4005"/>
+                </a:lnTo>
+                <a:lnTo>
+                  <a:pt x="1" y="91572"/>
+                </a:lnTo>
+                <a:lnTo>
+                  <a:pt x="1" y="91979"/>
+                </a:lnTo>
+                <a:lnTo>
+                  <a:pt x="69" y="92319"/>
+                </a:lnTo>
+                <a:lnTo>
+                  <a:pt x="272" y="93065"/>
+                </a:lnTo>
+                <a:lnTo>
+                  <a:pt x="679" y="93744"/>
+                </a:lnTo>
+                <a:lnTo>
+                  <a:pt x="1155" y="94355"/>
+                </a:lnTo>
+                <a:lnTo>
+                  <a:pt x="1766" y="94830"/>
+                </a:lnTo>
+                <a:lnTo>
+                  <a:pt x="2444" y="95238"/>
+                </a:lnTo>
+                <a:lnTo>
+                  <a:pt x="3191" y="95441"/>
+                </a:lnTo>
+                <a:lnTo>
+                  <a:pt x="3530" y="95509"/>
+                </a:lnTo>
+                <a:lnTo>
+                  <a:pt x="139904" y="95509"/>
+                </a:lnTo>
+                <a:lnTo>
+                  <a:pt x="140311" y="95441"/>
+                </a:lnTo>
+                <a:lnTo>
+                  <a:pt x="141058" y="95238"/>
+                </a:lnTo>
+                <a:lnTo>
+                  <a:pt x="141737" y="94830"/>
+                </a:lnTo>
+                <a:lnTo>
+                  <a:pt x="142280" y="94355"/>
+                </a:lnTo>
+                <a:lnTo>
+                  <a:pt x="142755" y="93744"/>
+                </a:lnTo>
+                <a:lnTo>
+                  <a:pt x="143162" y="93065"/>
+                </a:lnTo>
+                <a:lnTo>
+                  <a:pt x="143366" y="92319"/>
+                </a:lnTo>
+                <a:lnTo>
+                  <a:pt x="143434" y="91979"/>
+                </a:lnTo>
+                <a:lnTo>
+                  <a:pt x="143434" y="91572"/>
+                </a:lnTo>
+                <a:lnTo>
+                  <a:pt x="143434" y="4005"/>
+                </a:lnTo>
+                <a:lnTo>
+                  <a:pt x="143434" y="3598"/>
+                </a:lnTo>
+                <a:lnTo>
+                  <a:pt x="143366" y="3190"/>
+                </a:lnTo>
+                <a:lnTo>
+                  <a:pt x="143162" y="2444"/>
+                </a:lnTo>
+                <a:lnTo>
+                  <a:pt x="142755" y="1765"/>
+                </a:lnTo>
+                <a:lnTo>
+                  <a:pt x="142280" y="1154"/>
+                </a:lnTo>
+                <a:lnTo>
+                  <a:pt x="141737" y="679"/>
+                </a:lnTo>
+                <a:lnTo>
+                  <a:pt x="141058" y="339"/>
+                </a:lnTo>
+                <a:lnTo>
+                  <a:pt x="140311" y="68"/>
+                </a:lnTo>
+                <a:lnTo>
+                  <a:pt x="139904" y="0"/>
+                </a:lnTo>
+                <a:close/>
+                <a:moveTo>
+                  <a:pt x="55324" y="95713"/>
+                </a:moveTo>
+                <a:lnTo>
+                  <a:pt x="55052" y="98971"/>
+                </a:lnTo>
+                <a:lnTo>
+                  <a:pt x="54713" y="102297"/>
+                </a:lnTo>
+                <a:lnTo>
+                  <a:pt x="54374" y="105284"/>
+                </a:lnTo>
+                <a:lnTo>
+                  <a:pt x="53966" y="107388"/>
+                </a:lnTo>
+                <a:lnTo>
+                  <a:pt x="53763" y="108203"/>
+                </a:lnTo>
+                <a:lnTo>
+                  <a:pt x="53627" y="108746"/>
+                </a:lnTo>
+                <a:lnTo>
+                  <a:pt x="53423" y="109153"/>
+                </a:lnTo>
+                <a:lnTo>
+                  <a:pt x="53220" y="109357"/>
+                </a:lnTo>
+                <a:lnTo>
+                  <a:pt x="52677" y="109493"/>
+                </a:lnTo>
+                <a:lnTo>
+                  <a:pt x="51794" y="109696"/>
+                </a:lnTo>
+                <a:lnTo>
+                  <a:pt x="49690" y="110036"/>
+                </a:lnTo>
+                <a:lnTo>
+                  <a:pt x="48061" y="110307"/>
+                </a:lnTo>
+                <a:lnTo>
+                  <a:pt x="47450" y="110443"/>
+                </a:lnTo>
+                <a:lnTo>
+                  <a:pt x="47110" y="110511"/>
+                </a:lnTo>
+                <a:lnTo>
+                  <a:pt x="47042" y="110579"/>
+                </a:lnTo>
+                <a:lnTo>
+                  <a:pt x="47042" y="110783"/>
+                </a:lnTo>
+                <a:lnTo>
+                  <a:pt x="47110" y="110850"/>
+                </a:lnTo>
+                <a:lnTo>
+                  <a:pt x="47585" y="110918"/>
+                </a:lnTo>
+                <a:lnTo>
+                  <a:pt x="48400" y="110986"/>
+                </a:lnTo>
+                <a:lnTo>
+                  <a:pt x="51387" y="111054"/>
+                </a:lnTo>
+                <a:lnTo>
+                  <a:pt x="56071" y="111122"/>
+                </a:lnTo>
+                <a:lnTo>
+                  <a:pt x="87092" y="111122"/>
+                </a:lnTo>
+                <a:lnTo>
+                  <a:pt x="91708" y="111054"/>
+                </a:lnTo>
+                <a:lnTo>
+                  <a:pt x="94695" y="110986"/>
+                </a:lnTo>
+                <a:lnTo>
+                  <a:pt x="95578" y="110918"/>
+                </a:lnTo>
+                <a:lnTo>
+                  <a:pt x="96053" y="110850"/>
+                </a:lnTo>
+                <a:lnTo>
+                  <a:pt x="96121" y="110783"/>
+                </a:lnTo>
+                <a:lnTo>
+                  <a:pt x="96121" y="110579"/>
+                </a:lnTo>
+                <a:lnTo>
+                  <a:pt x="96053" y="110511"/>
+                </a:lnTo>
+                <a:lnTo>
+                  <a:pt x="95713" y="110443"/>
+                </a:lnTo>
+                <a:lnTo>
+                  <a:pt x="95102" y="110307"/>
+                </a:lnTo>
+                <a:lnTo>
+                  <a:pt x="93473" y="110036"/>
+                </a:lnTo>
+                <a:lnTo>
+                  <a:pt x="91369" y="109696"/>
+                </a:lnTo>
+                <a:lnTo>
+                  <a:pt x="90487" y="109493"/>
+                </a:lnTo>
+                <a:lnTo>
+                  <a:pt x="89943" y="109357"/>
+                </a:lnTo>
+                <a:lnTo>
+                  <a:pt x="89740" y="109153"/>
+                </a:lnTo>
+                <a:lnTo>
+                  <a:pt x="89536" y="108746"/>
+                </a:lnTo>
+                <a:lnTo>
+                  <a:pt x="89333" y="108203"/>
+                </a:lnTo>
+                <a:lnTo>
+                  <a:pt x="89197" y="107388"/>
+                </a:lnTo>
+                <a:lnTo>
+                  <a:pt x="88789" y="105284"/>
+                </a:lnTo>
+                <a:lnTo>
+                  <a:pt x="88382" y="102297"/>
+                </a:lnTo>
+                <a:lnTo>
+                  <a:pt x="88043" y="98971"/>
+                </a:lnTo>
+                <a:lnTo>
+                  <a:pt x="87839" y="95713"/>
+                </a:lnTo>
+                <a:close/>
+                <a:moveTo>
+                  <a:pt x="47450" y="111054"/>
+                </a:moveTo>
+                <a:lnTo>
+                  <a:pt x="47450" y="111122"/>
+                </a:lnTo>
+                <a:lnTo>
+                  <a:pt x="47450" y="111393"/>
+                </a:lnTo>
+                <a:lnTo>
+                  <a:pt x="47518" y="111461"/>
+                </a:lnTo>
+                <a:lnTo>
+                  <a:pt x="48807" y="111529"/>
+                </a:lnTo>
+                <a:lnTo>
+                  <a:pt x="52473" y="111597"/>
+                </a:lnTo>
+                <a:lnTo>
+                  <a:pt x="62384" y="111665"/>
+                </a:lnTo>
+                <a:lnTo>
+                  <a:pt x="80779" y="111665"/>
+                </a:lnTo>
+                <a:lnTo>
+                  <a:pt x="90622" y="111597"/>
+                </a:lnTo>
+                <a:lnTo>
+                  <a:pt x="94356" y="111529"/>
+                </a:lnTo>
+                <a:lnTo>
+                  <a:pt x="95646" y="111461"/>
+                </a:lnTo>
+                <a:lnTo>
+                  <a:pt x="95713" y="111393"/>
+                </a:lnTo>
+                <a:lnTo>
+                  <a:pt x="95713" y="111122"/>
+                </a:lnTo>
+                <a:lnTo>
+                  <a:pt x="95646" y="111054"/>
+                </a:lnTo>
+                <a:lnTo>
+                  <a:pt x="94084" y="111122"/>
+                </a:lnTo>
+                <a:lnTo>
+                  <a:pt x="91233" y="111190"/>
+                </a:lnTo>
+                <a:lnTo>
+                  <a:pt x="80847" y="111258"/>
+                </a:lnTo>
+                <a:lnTo>
+                  <a:pt x="62316" y="111258"/>
+                </a:lnTo>
+                <a:lnTo>
+                  <a:pt x="51930" y="111190"/>
+                </a:lnTo>
+                <a:lnTo>
+                  <a:pt x="49079" y="111122"/>
+                </a:lnTo>
+                <a:lnTo>
+                  <a:pt x="47518" y="111054"/>
+                </a:lnTo>
+                <a:close/>
+              </a:path>
+            </a:pathLst>
+          </a:custGeom>
+          <a:solidFill>
+            <a:srgbClr val="FFFFFF"/>
+          </a:solidFill>
+          <a:ln w="9525" cap="flat" cmpd="sng">
+            <a:solidFill>
+              <a:srgbClr val="28324A"/>
+            </a:solidFill>
+            <a:prstDash val="solid"/>
+            <a:round/>
+            <a:headEnd type="none" w="sm" len="sm"/>
+            <a:tailEnd type="none" w="sm" len="sm"/>
+          </a:ln>
+        </p:spPr>
+        <p:txBody>
+          <a:bodyPr spcFirstLastPara="1" wrap="square" lIns="91425" tIns="91425" rIns="91425" bIns="91425" anchor="ctr" anchorCtr="0">
+            <a:noAutofit/>
+          </a:bodyPr>
+          <a:lstStyle/>
+          <a:p>
+            <a:pPr marL="0" lvl="0" indent="0" algn="l" rtl="0">
+              <a:spcBef>
+                <a:spcPts val="0"/>
+              </a:spcBef>
+              <a:spcAft>
+                <a:spcPts val="0"/>
+              </a:spcAft>
+              <a:buNone/>
+            </a:pPr>
+            <a:endParaRPr>
+              <a:latin typeface="Source Sans Pro"/>
+              <a:ea typeface="Source Sans Pro"/>
+              <a:cs typeface="Source Sans Pro"/>
+              <a:sym typeface="Source Sans Pro"/>
+            </a:endParaRPr>
+          </a:p>
+        </p:txBody>
+      </p:sp>
+      <p:pic>
+        <p:nvPicPr>
+          <p:cNvPr id="4" name="Imagen 3" descr="Captura de pantalla de un celular&#10;&#10;Descripción generada automáticamente">
+            <a:extLst>
+              <a:ext uri="{FF2B5EF4-FFF2-40B4-BE49-F238E27FC236}">
+                <a16:creationId xmlns:a16="http://schemas.microsoft.com/office/drawing/2014/main" id="{77BC8FB1-2E47-43E7-AC29-1C47F9792EC1}"/>
+              </a:ext>
+            </a:extLst>
+          </p:cNvPr>
+          <p:cNvPicPr>
+            <a:picLocks noChangeAspect="1"/>
+          </p:cNvPicPr>
+          <p:nvPr/>
+        </p:nvPicPr>
+        <p:blipFill>
+          <a:blip r:embed="rId3"/>
+          <a:stretch>
+            <a:fillRect/>
+          </a:stretch>
+        </p:blipFill>
+        <p:spPr>
+          <a:xfrm>
+            <a:off x="4167963" y="1664378"/>
+            <a:ext cx="4093534" cy="2088915"/>
+          </a:xfrm>
+          <a:prstGeom prst="rect">
+            <a:avLst/>
+          </a:prstGeom>
+        </p:spPr>
+      </p:pic>
+    </p:spTree>
+    <p:extLst>
+      <p:ext uri="{BB962C8B-B14F-4D97-AF65-F5344CB8AC3E}">
+        <p14:creationId xmlns:p14="http://schemas.microsoft.com/office/powerpoint/2010/main" val="3522622050"/>
+      </p:ext>
+    </p:extLst>
+  </p:cSld>
+  <p:clrMapOvr>
+    <a:masterClrMapping/>
+  </p:clrMapOvr>
+</p:sld>
+</file>
+
+<file path=ppt/slides/slide23.xml><?xml version="1.0" encoding="utf-8"?>
+<p:sld xmlns:a="http://schemas.openxmlformats.org/drawingml/2006/main" xmlns:r="http://schemas.openxmlformats.org/officeDocument/2006/relationships" xmlns:p="http://schemas.openxmlformats.org/presentationml/2006/main">
+  <p:cSld>
+    <p:spTree>
+      <p:nvGrpSpPr>
+        <p:cNvPr id="1" name="Shape 498"/>
+        <p:cNvGrpSpPr/>
+        <p:nvPr/>
+      </p:nvGrpSpPr>
+      <p:grpSpPr>
+        <a:xfrm>
+          <a:off x="0" y="0"/>
+          <a:ext cx="0" cy="0"/>
+          <a:chOff x="0" y="0"/>
+          <a:chExt cx="0" cy="0"/>
+        </a:xfrm>
+      </p:grpSpPr>
+      <p:sp>
+        <p:nvSpPr>
+          <p:cNvPr id="499" name="Google Shape;499;p18"/>
+          <p:cNvSpPr txBox="1">
+            <a:spLocks noGrp="1"/>
+          </p:cNvSpPr>
+          <p:nvPr>
+            <p:ph type="title"/>
+          </p:nvPr>
+        </p:nvSpPr>
+        <p:spPr>
+          <a:xfrm>
+            <a:off x="1047750" y="634125"/>
+            <a:ext cx="6996600" cy="715800"/>
+          </a:xfrm>
+          <a:prstGeom prst="rect">
+            <a:avLst/>
+          </a:prstGeom>
+        </p:spPr>
+        <p:txBody>
+          <a:bodyPr spcFirstLastPara="1" wrap="square" lIns="91425" tIns="91425" rIns="91425" bIns="91425" anchor="b" anchorCtr="0">
+            <a:noAutofit/>
+          </a:bodyPr>
+          <a:lstStyle/>
+          <a:p>
+            <a:pPr marL="0" lvl="0" indent="0" algn="ctr" rtl="0">
+              <a:spcBef>
+                <a:spcPts val="0"/>
+              </a:spcBef>
+              <a:spcAft>
+                <a:spcPts val="0"/>
+              </a:spcAft>
+              <a:buNone/>
+            </a:pPr>
+            <a:r>
+              <a:rPr lang="en" dirty="0">
+                <a:solidFill>
+                  <a:srgbClr val="3C78D8"/>
+                </a:solidFill>
+              </a:rPr>
+              <a:t>3.1.2</a:t>
+            </a:r>
+            <a:r>
+              <a:rPr lang="en" dirty="0"/>
+              <a:t> </a:t>
+            </a:r>
+            <a:r>
+              <a:rPr lang="es-PE" dirty="0"/>
+              <a:t>FLUJO DEL </a:t>
+            </a:r>
+            <a:r>
+              <a:rPr lang="es-PE" dirty="0">
+                <a:solidFill>
+                  <a:srgbClr val="3C78D8"/>
+                </a:solidFill>
+              </a:rPr>
+              <a:t>CLIENTE</a:t>
+            </a:r>
+            <a:r>
+              <a:rPr lang="es-PE" dirty="0"/>
+              <a:t> </a:t>
+            </a:r>
+            <a:endParaRPr dirty="0">
+              <a:solidFill>
+                <a:srgbClr val="3C78D8"/>
+              </a:solidFill>
+            </a:endParaRPr>
+          </a:p>
+        </p:txBody>
+      </p:sp>
+      <p:sp>
+        <p:nvSpPr>
+          <p:cNvPr id="500" name="Google Shape;500;p18"/>
+          <p:cNvSpPr txBox="1">
+            <a:spLocks noGrp="1"/>
+          </p:cNvSpPr>
+          <p:nvPr>
+            <p:ph type="body" idx="1"/>
+          </p:nvPr>
+        </p:nvSpPr>
+        <p:spPr>
+          <a:xfrm>
+            <a:off x="467833" y="1405437"/>
+            <a:ext cx="3327991" cy="3103938"/>
+          </a:xfrm>
+          <a:prstGeom prst="rect">
+            <a:avLst/>
+          </a:prstGeom>
+        </p:spPr>
+        <p:txBody>
+          <a:bodyPr spcFirstLastPara="1" wrap="square" lIns="91425" tIns="91425" rIns="91425" bIns="91425" anchor="t" anchorCtr="0">
+            <a:noAutofit/>
+          </a:bodyPr>
+          <a:lstStyle/>
+          <a:p>
+            <a:pPr marL="101600" lvl="0" indent="0" algn="just" rtl="0">
+              <a:spcBef>
+                <a:spcPts val="600"/>
+              </a:spcBef>
+              <a:spcAft>
+                <a:spcPts val="0"/>
+              </a:spcAft>
+              <a:buSzPts val="2000"/>
+              <a:buNone/>
+            </a:pPr>
+            <a:r>
+              <a:rPr lang="es-ES" dirty="0"/>
+              <a:t>Flujo del Cliente:</a:t>
+            </a:r>
+          </a:p>
+          <a:p>
+            <a:pPr marL="558800" lvl="0" indent="-457200" algn="just" rtl="0">
+              <a:spcBef>
+                <a:spcPts val="600"/>
+              </a:spcBef>
+              <a:spcAft>
+                <a:spcPts val="0"/>
+              </a:spcAft>
+              <a:buSzPts val="2000"/>
+              <a:buFont typeface="+mj-lt"/>
+              <a:buAutoNum type="arabicPeriod"/>
+            </a:pPr>
+            <a:r>
+              <a:rPr lang="es-ES" dirty="0"/>
+              <a:t>Revisar los Servicios de su interés</a:t>
+            </a:r>
+          </a:p>
+          <a:p>
+            <a:pPr marL="558800" lvl="0" indent="-457200" algn="just" rtl="0">
+              <a:spcBef>
+                <a:spcPts val="600"/>
+              </a:spcBef>
+              <a:spcAft>
+                <a:spcPts val="0"/>
+              </a:spcAft>
+              <a:buSzPts val="2000"/>
+              <a:buFont typeface="+mj-lt"/>
+              <a:buAutoNum type="arabicPeriod"/>
+            </a:pPr>
+            <a:r>
+              <a:rPr lang="es-ES" b="1" dirty="0"/>
+              <a:t>Realizar un Contrato por el Servicio de su interés</a:t>
+            </a:r>
+          </a:p>
+          <a:p>
+            <a:pPr marL="558800" lvl="0" indent="-457200" algn="just" rtl="0">
+              <a:spcBef>
+                <a:spcPts val="600"/>
+              </a:spcBef>
+              <a:spcAft>
+                <a:spcPts val="0"/>
+              </a:spcAft>
+              <a:buSzPts val="2000"/>
+              <a:buFont typeface="+mj-lt"/>
+              <a:buAutoNum type="arabicPeriod"/>
+            </a:pPr>
+            <a:r>
+              <a:rPr lang="es-ES" dirty="0"/>
+              <a:t>Consultar sus Contratos activos</a:t>
+            </a:r>
+          </a:p>
+        </p:txBody>
+      </p:sp>
+      <p:sp>
+        <p:nvSpPr>
+          <p:cNvPr id="501" name="Google Shape;501;p18"/>
+          <p:cNvSpPr txBox="1">
+            <a:spLocks noGrp="1"/>
+          </p:cNvSpPr>
+          <p:nvPr>
+            <p:ph type="sldNum" idx="12"/>
+          </p:nvPr>
+        </p:nvSpPr>
+        <p:spPr>
+          <a:xfrm>
+            <a:off x="8556775" y="4826200"/>
+            <a:ext cx="548700" cy="317400"/>
+          </a:xfrm>
+          <a:prstGeom prst="rect">
+            <a:avLst/>
+          </a:prstGeom>
+        </p:spPr>
+        <p:txBody>
+          <a:bodyPr spcFirstLastPara="1" wrap="square" lIns="91425" tIns="91425" rIns="91425" bIns="91425" anchor="t" anchorCtr="0">
+            <a:noAutofit/>
+          </a:bodyPr>
+          <a:lstStyle/>
+          <a:p>
+            <a:pPr marL="0" lvl="0" indent="0" algn="r" rtl="0">
+              <a:spcBef>
+                <a:spcPts val="0"/>
+              </a:spcBef>
+              <a:spcAft>
+                <a:spcPts val="0"/>
+              </a:spcAft>
+              <a:buNone/>
+            </a:pPr>
+            <a:fld id="{00000000-1234-1234-1234-123412341234}" type="slidenum">
+              <a:rPr lang="en"/>
+              <a:t>23</a:t>
+            </a:fld>
+            <a:endParaRPr/>
+          </a:p>
+        </p:txBody>
+      </p:sp>
+      <p:sp>
+        <p:nvSpPr>
+          <p:cNvPr id="8" name="Google Shape;758;p36">
+            <a:extLst>
+              <a:ext uri="{FF2B5EF4-FFF2-40B4-BE49-F238E27FC236}">
+                <a16:creationId xmlns:a16="http://schemas.microsoft.com/office/drawing/2014/main" id="{7D3F52D2-6B72-4E57-A628-7303F86480CE}"/>
+              </a:ext>
+            </a:extLst>
+          </p:cNvPr>
+          <p:cNvSpPr/>
+          <p:nvPr/>
+        </p:nvSpPr>
+        <p:spPr>
+          <a:xfrm>
+            <a:off x="3965944" y="1515059"/>
+            <a:ext cx="4476307" cy="2844290"/>
+          </a:xfrm>
+          <a:custGeom>
+            <a:avLst/>
+            <a:gdLst/>
+            <a:ahLst/>
+            <a:cxnLst/>
+            <a:rect l="l" t="t" r="r" b="b"/>
+            <a:pathLst>
+              <a:path w="143434" h="111665" extrusionOk="0">
+                <a:moveTo>
+                  <a:pt x="71751" y="2308"/>
+                </a:moveTo>
+                <a:lnTo>
+                  <a:pt x="71887" y="2376"/>
+                </a:lnTo>
+                <a:lnTo>
+                  <a:pt x="72091" y="2444"/>
+                </a:lnTo>
+                <a:lnTo>
+                  <a:pt x="72159" y="2647"/>
+                </a:lnTo>
+                <a:lnTo>
+                  <a:pt x="72226" y="2783"/>
+                </a:lnTo>
+                <a:lnTo>
+                  <a:pt x="72159" y="2987"/>
+                </a:lnTo>
+                <a:lnTo>
+                  <a:pt x="72091" y="3190"/>
+                </a:lnTo>
+                <a:lnTo>
+                  <a:pt x="71887" y="3258"/>
+                </a:lnTo>
+                <a:lnTo>
+                  <a:pt x="71751" y="3326"/>
+                </a:lnTo>
+                <a:lnTo>
+                  <a:pt x="71548" y="3258"/>
+                </a:lnTo>
+                <a:lnTo>
+                  <a:pt x="71344" y="3190"/>
+                </a:lnTo>
+                <a:lnTo>
+                  <a:pt x="71276" y="2987"/>
+                </a:lnTo>
+                <a:lnTo>
+                  <a:pt x="71208" y="2783"/>
+                </a:lnTo>
+                <a:lnTo>
+                  <a:pt x="71276" y="2647"/>
+                </a:lnTo>
+                <a:lnTo>
+                  <a:pt x="71344" y="2444"/>
+                </a:lnTo>
+                <a:lnTo>
+                  <a:pt x="71548" y="2376"/>
+                </a:lnTo>
+                <a:lnTo>
+                  <a:pt x="71751" y="2308"/>
+                </a:lnTo>
+                <a:close/>
+                <a:moveTo>
+                  <a:pt x="137528" y="5906"/>
+                </a:moveTo>
+                <a:lnTo>
+                  <a:pt x="137596" y="5974"/>
+                </a:lnTo>
+                <a:lnTo>
+                  <a:pt x="137596" y="89604"/>
+                </a:lnTo>
+                <a:lnTo>
+                  <a:pt x="5906" y="89604"/>
+                </a:lnTo>
+                <a:lnTo>
+                  <a:pt x="5906" y="5974"/>
+                </a:lnTo>
+                <a:lnTo>
+                  <a:pt x="5906" y="5906"/>
+                </a:lnTo>
+                <a:close/>
+                <a:moveTo>
+                  <a:pt x="3530" y="0"/>
+                </a:moveTo>
+                <a:lnTo>
+                  <a:pt x="3191" y="68"/>
+                </a:lnTo>
+                <a:lnTo>
+                  <a:pt x="2444" y="339"/>
+                </a:lnTo>
+                <a:lnTo>
+                  <a:pt x="1766" y="679"/>
+                </a:lnTo>
+                <a:lnTo>
+                  <a:pt x="1155" y="1154"/>
+                </a:lnTo>
+                <a:lnTo>
+                  <a:pt x="679" y="1765"/>
+                </a:lnTo>
+                <a:lnTo>
+                  <a:pt x="272" y="2444"/>
+                </a:lnTo>
+                <a:lnTo>
+                  <a:pt x="69" y="3190"/>
+                </a:lnTo>
+                <a:lnTo>
+                  <a:pt x="1" y="3598"/>
+                </a:lnTo>
+                <a:lnTo>
+                  <a:pt x="1" y="4005"/>
+                </a:lnTo>
+                <a:lnTo>
+                  <a:pt x="1" y="91572"/>
+                </a:lnTo>
+                <a:lnTo>
+                  <a:pt x="1" y="91979"/>
+                </a:lnTo>
+                <a:lnTo>
+                  <a:pt x="69" y="92319"/>
+                </a:lnTo>
+                <a:lnTo>
+                  <a:pt x="272" y="93065"/>
+                </a:lnTo>
+                <a:lnTo>
+                  <a:pt x="679" y="93744"/>
+                </a:lnTo>
+                <a:lnTo>
+                  <a:pt x="1155" y="94355"/>
+                </a:lnTo>
+                <a:lnTo>
+                  <a:pt x="1766" y="94830"/>
+                </a:lnTo>
+                <a:lnTo>
+                  <a:pt x="2444" y="95238"/>
+                </a:lnTo>
+                <a:lnTo>
+                  <a:pt x="3191" y="95441"/>
+                </a:lnTo>
+                <a:lnTo>
+                  <a:pt x="3530" y="95509"/>
+                </a:lnTo>
+                <a:lnTo>
+                  <a:pt x="139904" y="95509"/>
+                </a:lnTo>
+                <a:lnTo>
+                  <a:pt x="140311" y="95441"/>
+                </a:lnTo>
+                <a:lnTo>
+                  <a:pt x="141058" y="95238"/>
+                </a:lnTo>
+                <a:lnTo>
+                  <a:pt x="141737" y="94830"/>
+                </a:lnTo>
+                <a:lnTo>
+                  <a:pt x="142280" y="94355"/>
+                </a:lnTo>
+                <a:lnTo>
+                  <a:pt x="142755" y="93744"/>
+                </a:lnTo>
+                <a:lnTo>
+                  <a:pt x="143162" y="93065"/>
+                </a:lnTo>
+                <a:lnTo>
+                  <a:pt x="143366" y="92319"/>
+                </a:lnTo>
+                <a:lnTo>
+                  <a:pt x="143434" y="91979"/>
+                </a:lnTo>
+                <a:lnTo>
+                  <a:pt x="143434" y="91572"/>
+                </a:lnTo>
+                <a:lnTo>
+                  <a:pt x="143434" y="4005"/>
+                </a:lnTo>
+                <a:lnTo>
+                  <a:pt x="143434" y="3598"/>
+                </a:lnTo>
+                <a:lnTo>
+                  <a:pt x="143366" y="3190"/>
+                </a:lnTo>
+                <a:lnTo>
+                  <a:pt x="143162" y="2444"/>
+                </a:lnTo>
+                <a:lnTo>
+                  <a:pt x="142755" y="1765"/>
+                </a:lnTo>
+                <a:lnTo>
+                  <a:pt x="142280" y="1154"/>
+                </a:lnTo>
+                <a:lnTo>
+                  <a:pt x="141737" y="679"/>
+                </a:lnTo>
+                <a:lnTo>
+                  <a:pt x="141058" y="339"/>
+                </a:lnTo>
+                <a:lnTo>
+                  <a:pt x="140311" y="68"/>
+                </a:lnTo>
+                <a:lnTo>
+                  <a:pt x="139904" y="0"/>
+                </a:lnTo>
+                <a:close/>
+                <a:moveTo>
+                  <a:pt x="55324" y="95713"/>
+                </a:moveTo>
+                <a:lnTo>
+                  <a:pt x="55052" y="98971"/>
+                </a:lnTo>
+                <a:lnTo>
+                  <a:pt x="54713" y="102297"/>
+                </a:lnTo>
+                <a:lnTo>
+                  <a:pt x="54374" y="105284"/>
+                </a:lnTo>
+                <a:lnTo>
+                  <a:pt x="53966" y="107388"/>
+                </a:lnTo>
+                <a:lnTo>
+                  <a:pt x="53763" y="108203"/>
+                </a:lnTo>
+                <a:lnTo>
+                  <a:pt x="53627" y="108746"/>
+                </a:lnTo>
+                <a:lnTo>
+                  <a:pt x="53423" y="109153"/>
+                </a:lnTo>
+                <a:lnTo>
+                  <a:pt x="53220" y="109357"/>
+                </a:lnTo>
+                <a:lnTo>
+                  <a:pt x="52677" y="109493"/>
+                </a:lnTo>
+                <a:lnTo>
+                  <a:pt x="51794" y="109696"/>
+                </a:lnTo>
+                <a:lnTo>
+                  <a:pt x="49690" y="110036"/>
+                </a:lnTo>
+                <a:lnTo>
+                  <a:pt x="48061" y="110307"/>
+                </a:lnTo>
+                <a:lnTo>
+                  <a:pt x="47450" y="110443"/>
+                </a:lnTo>
+                <a:lnTo>
+                  <a:pt x="47110" y="110511"/>
+                </a:lnTo>
+                <a:lnTo>
+                  <a:pt x="47042" y="110579"/>
+                </a:lnTo>
+                <a:lnTo>
+                  <a:pt x="47042" y="110783"/>
+                </a:lnTo>
+                <a:lnTo>
+                  <a:pt x="47110" y="110850"/>
+                </a:lnTo>
+                <a:lnTo>
+                  <a:pt x="47585" y="110918"/>
+                </a:lnTo>
+                <a:lnTo>
+                  <a:pt x="48400" y="110986"/>
+                </a:lnTo>
+                <a:lnTo>
+                  <a:pt x="51387" y="111054"/>
+                </a:lnTo>
+                <a:lnTo>
+                  <a:pt x="56071" y="111122"/>
+                </a:lnTo>
+                <a:lnTo>
+                  <a:pt x="87092" y="111122"/>
+                </a:lnTo>
+                <a:lnTo>
+                  <a:pt x="91708" y="111054"/>
+                </a:lnTo>
+                <a:lnTo>
+                  <a:pt x="94695" y="110986"/>
+                </a:lnTo>
+                <a:lnTo>
+                  <a:pt x="95578" y="110918"/>
+                </a:lnTo>
+                <a:lnTo>
+                  <a:pt x="96053" y="110850"/>
+                </a:lnTo>
+                <a:lnTo>
+                  <a:pt x="96121" y="110783"/>
+                </a:lnTo>
+                <a:lnTo>
+                  <a:pt x="96121" y="110579"/>
+                </a:lnTo>
+                <a:lnTo>
+                  <a:pt x="96053" y="110511"/>
+                </a:lnTo>
+                <a:lnTo>
+                  <a:pt x="95713" y="110443"/>
+                </a:lnTo>
+                <a:lnTo>
+                  <a:pt x="95102" y="110307"/>
+                </a:lnTo>
+                <a:lnTo>
+                  <a:pt x="93473" y="110036"/>
+                </a:lnTo>
+                <a:lnTo>
+                  <a:pt x="91369" y="109696"/>
+                </a:lnTo>
+                <a:lnTo>
+                  <a:pt x="90487" y="109493"/>
+                </a:lnTo>
+                <a:lnTo>
+                  <a:pt x="89943" y="109357"/>
+                </a:lnTo>
+                <a:lnTo>
+                  <a:pt x="89740" y="109153"/>
+                </a:lnTo>
+                <a:lnTo>
+                  <a:pt x="89536" y="108746"/>
+                </a:lnTo>
+                <a:lnTo>
+                  <a:pt x="89333" y="108203"/>
+                </a:lnTo>
+                <a:lnTo>
+                  <a:pt x="89197" y="107388"/>
+                </a:lnTo>
+                <a:lnTo>
+                  <a:pt x="88789" y="105284"/>
+                </a:lnTo>
+                <a:lnTo>
+                  <a:pt x="88382" y="102297"/>
+                </a:lnTo>
+                <a:lnTo>
+                  <a:pt x="88043" y="98971"/>
+                </a:lnTo>
+                <a:lnTo>
+                  <a:pt x="87839" y="95713"/>
+                </a:lnTo>
+                <a:close/>
+                <a:moveTo>
+                  <a:pt x="47450" y="111054"/>
+                </a:moveTo>
+                <a:lnTo>
+                  <a:pt x="47450" y="111122"/>
+                </a:lnTo>
+                <a:lnTo>
+                  <a:pt x="47450" y="111393"/>
+                </a:lnTo>
+                <a:lnTo>
+                  <a:pt x="47518" y="111461"/>
+                </a:lnTo>
+                <a:lnTo>
+                  <a:pt x="48807" y="111529"/>
+                </a:lnTo>
+                <a:lnTo>
+                  <a:pt x="52473" y="111597"/>
+                </a:lnTo>
+                <a:lnTo>
+                  <a:pt x="62384" y="111665"/>
+                </a:lnTo>
+                <a:lnTo>
+                  <a:pt x="80779" y="111665"/>
+                </a:lnTo>
+                <a:lnTo>
+                  <a:pt x="90622" y="111597"/>
+                </a:lnTo>
+                <a:lnTo>
+                  <a:pt x="94356" y="111529"/>
+                </a:lnTo>
+                <a:lnTo>
+                  <a:pt x="95646" y="111461"/>
+                </a:lnTo>
+                <a:lnTo>
+                  <a:pt x="95713" y="111393"/>
+                </a:lnTo>
+                <a:lnTo>
+                  <a:pt x="95713" y="111122"/>
+                </a:lnTo>
+                <a:lnTo>
+                  <a:pt x="95646" y="111054"/>
+                </a:lnTo>
+                <a:lnTo>
+                  <a:pt x="94084" y="111122"/>
+                </a:lnTo>
+                <a:lnTo>
+                  <a:pt x="91233" y="111190"/>
+                </a:lnTo>
+                <a:lnTo>
+                  <a:pt x="80847" y="111258"/>
+                </a:lnTo>
+                <a:lnTo>
+                  <a:pt x="62316" y="111258"/>
+                </a:lnTo>
+                <a:lnTo>
+                  <a:pt x="51930" y="111190"/>
+                </a:lnTo>
+                <a:lnTo>
+                  <a:pt x="49079" y="111122"/>
+                </a:lnTo>
+                <a:lnTo>
+                  <a:pt x="47518" y="111054"/>
+                </a:lnTo>
+                <a:close/>
+              </a:path>
+            </a:pathLst>
+          </a:custGeom>
+          <a:solidFill>
+            <a:srgbClr val="FFFFFF"/>
+          </a:solidFill>
+          <a:ln w="9525" cap="flat" cmpd="sng">
+            <a:solidFill>
+              <a:srgbClr val="28324A"/>
+            </a:solidFill>
+            <a:prstDash val="solid"/>
+            <a:round/>
+            <a:headEnd type="none" w="sm" len="sm"/>
+            <a:tailEnd type="none" w="sm" len="sm"/>
+          </a:ln>
+        </p:spPr>
+        <p:txBody>
+          <a:bodyPr spcFirstLastPara="1" wrap="square" lIns="91425" tIns="91425" rIns="91425" bIns="91425" anchor="ctr" anchorCtr="0">
+            <a:noAutofit/>
+          </a:bodyPr>
+          <a:lstStyle/>
+          <a:p>
+            <a:pPr marL="0" lvl="0" indent="0" algn="l" rtl="0">
+              <a:spcBef>
+                <a:spcPts val="0"/>
+              </a:spcBef>
+              <a:spcAft>
+                <a:spcPts val="0"/>
+              </a:spcAft>
+              <a:buNone/>
+            </a:pPr>
+            <a:endParaRPr>
+              <a:latin typeface="Source Sans Pro"/>
+              <a:ea typeface="Source Sans Pro"/>
+              <a:cs typeface="Source Sans Pro"/>
+              <a:sym typeface="Source Sans Pro"/>
+            </a:endParaRPr>
+          </a:p>
+        </p:txBody>
+      </p:sp>
+      <p:pic>
+        <p:nvPicPr>
+          <p:cNvPr id="4" name="Imagen 3" descr="Captura de pantalla de un celular&#10;&#10;Descripción generada automáticamente">
+            <a:extLst>
+              <a:ext uri="{FF2B5EF4-FFF2-40B4-BE49-F238E27FC236}">
+                <a16:creationId xmlns:a16="http://schemas.microsoft.com/office/drawing/2014/main" id="{223AB166-01A3-4458-B983-0A5418218680}"/>
+              </a:ext>
+            </a:extLst>
+          </p:cNvPr>
+          <p:cNvPicPr>
+            <a:picLocks noChangeAspect="1"/>
+          </p:cNvPicPr>
+          <p:nvPr/>
+        </p:nvPicPr>
+        <p:blipFill>
+          <a:blip r:embed="rId3"/>
+          <a:stretch>
+            <a:fillRect/>
+          </a:stretch>
+        </p:blipFill>
+        <p:spPr>
+          <a:xfrm>
+            <a:off x="4167963" y="1689462"/>
+            <a:ext cx="4082902" cy="2095730"/>
+          </a:xfrm>
+          <a:prstGeom prst="rect">
+            <a:avLst/>
+          </a:prstGeom>
+        </p:spPr>
+      </p:pic>
+    </p:spTree>
+    <p:extLst>
+      <p:ext uri="{BB962C8B-B14F-4D97-AF65-F5344CB8AC3E}">
+        <p14:creationId xmlns:p14="http://schemas.microsoft.com/office/powerpoint/2010/main" val="546778113"/>
+      </p:ext>
+    </p:extLst>
+  </p:cSld>
+  <p:clrMapOvr>
+    <a:masterClrMapping/>
+  </p:clrMapOvr>
+</p:sld>
+</file>
+
 <file path=ppt/slides/slide3.xml><?xml version="1.0" encoding="utf-8"?>
 <p:sld xmlns:a="http://schemas.openxmlformats.org/drawingml/2006/main" xmlns:r="http://schemas.openxmlformats.org/officeDocument/2006/relationships" xmlns:p="http://schemas.openxmlformats.org/presentationml/2006/main">
   <p:cSld>
